--- a/pics for docs edit.pptx
+++ b/pics for docs edit.pptx
@@ -10,11 +10,13 @@
     <p:sldId id="258" r:id="rId4"/>
     <p:sldId id="260" r:id="rId5"/>
     <p:sldId id="259" r:id="rId6"/>
-    <p:sldId id="261" r:id="rId7"/>
-    <p:sldId id="262" r:id="rId8"/>
-    <p:sldId id="263" r:id="rId9"/>
-    <p:sldId id="264" r:id="rId10"/>
-    <p:sldId id="265" r:id="rId11"/>
+    <p:sldId id="263" r:id="rId7"/>
+    <p:sldId id="264" r:id="rId8"/>
+    <p:sldId id="265" r:id="rId9"/>
+    <p:sldId id="266" r:id="rId10"/>
+    <p:sldId id="267" r:id="rId11"/>
+    <p:sldId id="268" r:id="rId12"/>
+    <p:sldId id="269" r:id="rId13"/>
   </p:sldIdLst>
   <p:sldSz cx="12192000" cy="6858000"/>
   <p:notesSz cx="6858000" cy="9144000"/>
@@ -113,6 +115,11 @@
       </a:defRPr>
     </a:lvl9pPr>
   </p:defaultTextStyle>
+  <p:extLst>
+    <p:ext uri="{EFAFB233-063F-42B5-8137-9DF3F51BA10A}">
+      <p15:sldGuideLst xmlns:p15="http://schemas.microsoft.com/office/powerpoint/2012/main"/>
+    </p:ext>
+  </p:extLst>
 </p:presentation>
 </file>
 
@@ -265,7 +272,7 @@
           <a:p>
             <a:fld id="{C991969F-786F-4999-A69E-711EE40AC306}" type="datetimeFigureOut">
               <a:rPr lang="en-PH" smtClean="0"/>
-              <a:t>29/04/2023</a:t>
+              <a:t>01/05/2023</a:t>
             </a:fld>
             <a:endParaRPr lang="en-PH"/>
           </a:p>
@@ -465,7 +472,7 @@
           <a:p>
             <a:fld id="{C991969F-786F-4999-A69E-711EE40AC306}" type="datetimeFigureOut">
               <a:rPr lang="en-PH" smtClean="0"/>
-              <a:t>29/04/2023</a:t>
+              <a:t>01/05/2023</a:t>
             </a:fld>
             <a:endParaRPr lang="en-PH"/>
           </a:p>
@@ -675,7 +682,7 @@
           <a:p>
             <a:fld id="{C991969F-786F-4999-A69E-711EE40AC306}" type="datetimeFigureOut">
               <a:rPr lang="en-PH" smtClean="0"/>
-              <a:t>29/04/2023</a:t>
+              <a:t>01/05/2023</a:t>
             </a:fld>
             <a:endParaRPr lang="en-PH"/>
           </a:p>
@@ -875,7 +882,7 @@
           <a:p>
             <a:fld id="{C991969F-786F-4999-A69E-711EE40AC306}" type="datetimeFigureOut">
               <a:rPr lang="en-PH" smtClean="0"/>
-              <a:t>29/04/2023</a:t>
+              <a:t>01/05/2023</a:t>
             </a:fld>
             <a:endParaRPr lang="en-PH"/>
           </a:p>
@@ -1151,7 +1158,7 @@
           <a:p>
             <a:fld id="{C991969F-786F-4999-A69E-711EE40AC306}" type="datetimeFigureOut">
               <a:rPr lang="en-PH" smtClean="0"/>
-              <a:t>29/04/2023</a:t>
+              <a:t>01/05/2023</a:t>
             </a:fld>
             <a:endParaRPr lang="en-PH"/>
           </a:p>
@@ -1419,7 +1426,7 @@
           <a:p>
             <a:fld id="{C991969F-786F-4999-A69E-711EE40AC306}" type="datetimeFigureOut">
               <a:rPr lang="en-PH" smtClean="0"/>
-              <a:t>29/04/2023</a:t>
+              <a:t>01/05/2023</a:t>
             </a:fld>
             <a:endParaRPr lang="en-PH"/>
           </a:p>
@@ -1834,7 +1841,7 @@
           <a:p>
             <a:fld id="{C991969F-786F-4999-A69E-711EE40AC306}" type="datetimeFigureOut">
               <a:rPr lang="en-PH" smtClean="0"/>
-              <a:t>29/04/2023</a:t>
+              <a:t>01/05/2023</a:t>
             </a:fld>
             <a:endParaRPr lang="en-PH"/>
           </a:p>
@@ -1976,7 +1983,7 @@
           <a:p>
             <a:fld id="{C991969F-786F-4999-A69E-711EE40AC306}" type="datetimeFigureOut">
               <a:rPr lang="en-PH" smtClean="0"/>
-              <a:t>29/04/2023</a:t>
+              <a:t>01/05/2023</a:t>
             </a:fld>
             <a:endParaRPr lang="en-PH"/>
           </a:p>
@@ -2089,7 +2096,7 @@
           <a:p>
             <a:fld id="{C991969F-786F-4999-A69E-711EE40AC306}" type="datetimeFigureOut">
               <a:rPr lang="en-PH" smtClean="0"/>
-              <a:t>29/04/2023</a:t>
+              <a:t>01/05/2023</a:t>
             </a:fld>
             <a:endParaRPr lang="en-PH"/>
           </a:p>
@@ -2402,7 +2409,7 @@
           <a:p>
             <a:fld id="{C991969F-786F-4999-A69E-711EE40AC306}" type="datetimeFigureOut">
               <a:rPr lang="en-PH" smtClean="0"/>
-              <a:t>29/04/2023</a:t>
+              <a:t>01/05/2023</a:t>
             </a:fld>
             <a:endParaRPr lang="en-PH"/>
           </a:p>
@@ -2691,7 +2698,7 @@
           <a:p>
             <a:fld id="{C991969F-786F-4999-A69E-711EE40AC306}" type="datetimeFigureOut">
               <a:rPr lang="en-PH" smtClean="0"/>
-              <a:t>29/04/2023</a:t>
+              <a:t>01/05/2023</a:t>
             </a:fld>
             <a:endParaRPr lang="en-PH"/>
           </a:p>
@@ -2934,7 +2941,7 @@
           <a:p>
             <a:fld id="{C991969F-786F-4999-A69E-711EE40AC306}" type="datetimeFigureOut">
               <a:rPr lang="en-PH" smtClean="0"/>
-              <a:t>29/04/2023</a:t>
+              <a:t>01/05/2023</a:t>
             </a:fld>
             <a:endParaRPr lang="en-PH"/>
           </a:p>
@@ -3725,10 +3732,10 @@
       </p:grpSpPr>
       <p:pic>
         <p:nvPicPr>
-          <p:cNvPr id="5" name="Picture 4" descr="A screenshot of a phone&#10;&#10;Description automatically generated with medium confidence">
-            <a:extLst>
-              <a:ext uri="{FF2B5EF4-FFF2-40B4-BE49-F238E27FC236}">
-                <a16:creationId xmlns:a16="http://schemas.microsoft.com/office/drawing/2014/main" id="{2488183C-5505-7661-97E9-7AB3768144E4}"/>
+          <p:cNvPr id="5" name="Picture 4">
+            <a:extLst>
+              <a:ext uri="{FF2B5EF4-FFF2-40B4-BE49-F238E27FC236}">
+                <a16:creationId xmlns:a16="http://schemas.microsoft.com/office/drawing/2014/main" id="{D082F7EA-94FF-38EB-2A6A-31FDEF18E329}"/>
               </a:ext>
             </a:extLst>
           </p:cNvPr>
@@ -3737,103 +3744,28 @@
           </p:cNvPicPr>
           <p:nvPr/>
         </p:nvPicPr>
-        <p:blipFill rotWithShape="1">
-          <a:blip r:embed="rId2">
-            <a:extLst>
-              <a:ext uri="{28A0092B-C50C-407E-A947-70E740481C1C}">
-                <a14:useLocalDpi xmlns:a14="http://schemas.microsoft.com/office/drawing/2010/main" val="0"/>
-              </a:ext>
-            </a:extLst>
-          </a:blip>
-          <a:srcRect t="2390"/>
-          <a:stretch/>
+        <p:blipFill>
+          <a:blip r:embed="rId2"/>
+          <a:stretch>
+            <a:fillRect/>
+          </a:stretch>
         </p:blipFill>
         <p:spPr>
           <a:xfrm>
-            <a:off x="0" y="163902"/>
-            <a:ext cx="3336324" cy="6694098"/>
+            <a:off x="381273" y="182598"/>
+            <a:ext cx="6134632" cy="6492803"/>
           </a:xfrm>
           <a:prstGeom prst="rect">
             <a:avLst/>
           </a:prstGeom>
         </p:spPr>
       </p:pic>
-      <p:pic>
-        <p:nvPicPr>
-          <p:cNvPr id="7" name="Picture 6" descr="A screenshot of a computer&#10;&#10;Description automatically generated with low confidence">
-            <a:extLst>
-              <a:ext uri="{FF2B5EF4-FFF2-40B4-BE49-F238E27FC236}">
-                <a16:creationId xmlns:a16="http://schemas.microsoft.com/office/drawing/2014/main" id="{6052D386-366A-DF17-9BB9-95770F2D3640}"/>
-              </a:ext>
-            </a:extLst>
-          </p:cNvPr>
-          <p:cNvPicPr>
-            <a:picLocks noChangeAspect="1"/>
-          </p:cNvPicPr>
-          <p:nvPr/>
-        </p:nvPicPr>
-        <p:blipFill rotWithShape="1">
-          <a:blip r:embed="rId3">
-            <a:extLst>
-              <a:ext uri="{28A0092B-C50C-407E-A947-70E740481C1C}">
-                <a14:useLocalDpi xmlns:a14="http://schemas.microsoft.com/office/drawing/2010/main" val="0"/>
-              </a:ext>
-            </a:extLst>
-          </a:blip>
-          <a:srcRect t="2390"/>
-          <a:stretch/>
-        </p:blipFill>
-        <p:spPr>
-          <a:xfrm>
-            <a:off x="4427838" y="163900"/>
-            <a:ext cx="3336324" cy="6694099"/>
-          </a:xfrm>
-          <a:prstGeom prst="rect">
-            <a:avLst/>
-          </a:prstGeom>
-        </p:spPr>
-      </p:pic>
-      <p:pic>
-        <p:nvPicPr>
-          <p:cNvPr id="9" name="Picture 8" descr="A screenshot of a phone&#10;&#10;Description automatically generated with medium confidence">
-            <a:extLst>
-              <a:ext uri="{FF2B5EF4-FFF2-40B4-BE49-F238E27FC236}">
-                <a16:creationId xmlns:a16="http://schemas.microsoft.com/office/drawing/2014/main" id="{91A0B172-82B4-05AB-F6FC-620FF5477362}"/>
-              </a:ext>
-            </a:extLst>
-          </p:cNvPr>
-          <p:cNvPicPr>
-            <a:picLocks noChangeAspect="1"/>
-          </p:cNvPicPr>
-          <p:nvPr/>
-        </p:nvPicPr>
-        <p:blipFill rotWithShape="1">
-          <a:blip r:embed="rId4">
-            <a:extLst>
-              <a:ext uri="{28A0092B-C50C-407E-A947-70E740481C1C}">
-                <a14:useLocalDpi xmlns:a14="http://schemas.microsoft.com/office/drawing/2010/main" val="0"/>
-              </a:ext>
-            </a:extLst>
-          </a:blip>
-          <a:srcRect t="2390"/>
-          <a:stretch/>
-        </p:blipFill>
-        <p:spPr>
-          <a:xfrm>
-            <a:off x="8855676" y="163900"/>
-            <a:ext cx="3336324" cy="6694100"/>
-          </a:xfrm>
-          <a:prstGeom prst="rect">
-            <a:avLst/>
-          </a:prstGeom>
-        </p:spPr>
-      </p:pic>
-      <p:sp>
-        <p:nvSpPr>
-          <p:cNvPr id="10" name="Rectangle 9">
-            <a:extLst>
-              <a:ext uri="{FF2B5EF4-FFF2-40B4-BE49-F238E27FC236}">
-                <a16:creationId xmlns:a16="http://schemas.microsoft.com/office/drawing/2014/main" id="{3246492F-5DA1-67C2-8D93-CE877A6E6B5C}"/>
+      <p:sp>
+        <p:nvSpPr>
+          <p:cNvPr id="6" name="Rectangle 5">
+            <a:extLst>
+              <a:ext uri="{FF2B5EF4-FFF2-40B4-BE49-F238E27FC236}">
+                <a16:creationId xmlns:a16="http://schemas.microsoft.com/office/drawing/2014/main" id="{3D75DE88-C057-80EB-71E4-16E142914AFE}"/>
               </a:ext>
             </a:extLst>
           </p:cNvPr>
@@ -3842,14 +3774,14 @@
         </p:nvSpPr>
         <p:spPr>
           <a:xfrm>
-            <a:off x="1466491" y="4166558"/>
-            <a:ext cx="405441" cy="112144"/>
+            <a:off x="5193102" y="1293962"/>
+            <a:ext cx="1009290" cy="431321"/>
           </a:xfrm>
           <a:prstGeom prst="rect">
             <a:avLst/>
           </a:prstGeom>
           <a:solidFill>
-            <a:srgbClr val="5E728B"/>
+            <a:srgbClr val="F0F0F0"/>
           </a:solidFill>
           <a:ln>
             <a:noFill/>
@@ -3882,10 +3814,10 @@
       </p:sp>
       <p:sp>
         <p:nvSpPr>
-          <p:cNvPr id="11" name="Rectangle 10">
-            <a:extLst>
-              <a:ext uri="{FF2B5EF4-FFF2-40B4-BE49-F238E27FC236}">
-                <a16:creationId xmlns:a16="http://schemas.microsoft.com/office/drawing/2014/main" id="{7E0EFD49-5994-FA1A-4A66-B29F8F271E12}"/>
+          <p:cNvPr id="7" name="Rectangle 6">
+            <a:extLst>
+              <a:ext uri="{FF2B5EF4-FFF2-40B4-BE49-F238E27FC236}">
+                <a16:creationId xmlns:a16="http://schemas.microsoft.com/office/drawing/2014/main" id="{BB3B8408-2CD0-4B2D-B64D-B807D66E7069}"/>
               </a:ext>
             </a:extLst>
           </p:cNvPr>
@@ -3894,17 +3826,17 @@
         </p:nvSpPr>
         <p:spPr>
           <a:xfrm>
-            <a:off x="5893279" y="4167996"/>
-            <a:ext cx="405441" cy="112144"/>
+            <a:off x="5193103" y="1690779"/>
+            <a:ext cx="1078302" cy="888519"/>
           </a:xfrm>
           <a:prstGeom prst="rect">
             <a:avLst/>
           </a:prstGeom>
-          <a:solidFill>
-            <a:srgbClr val="577597"/>
-          </a:solidFill>
-          <a:ln>
-            <a:noFill/>
+          <a:noFill/>
+          <a:ln w="38100">
+            <a:solidFill>
+              <a:srgbClr val="FF0000"/>
+            </a:solidFill>
           </a:ln>
         </p:spPr>
         <p:style>
@@ -3932,12 +3864,72 @@
           </a:p>
         </p:txBody>
       </p:sp>
-      <p:sp>
-        <p:nvSpPr>
-          <p:cNvPr id="12" name="Rectangle 11">
-            <a:extLst>
-              <a:ext uri="{FF2B5EF4-FFF2-40B4-BE49-F238E27FC236}">
-                <a16:creationId xmlns:a16="http://schemas.microsoft.com/office/drawing/2014/main" id="{91E5A247-3729-7864-C648-5CA60D3A48D8}"/>
+    </p:spTree>
+    <p:extLst>
+      <p:ext uri="{BB962C8B-B14F-4D97-AF65-F5344CB8AC3E}">
+        <p14:creationId xmlns:p14="http://schemas.microsoft.com/office/powerpoint/2010/main" val="752998497"/>
+      </p:ext>
+    </p:extLst>
+  </p:cSld>
+  <p:clrMapOvr>
+    <a:masterClrMapping/>
+  </p:clrMapOvr>
+</p:sld>
+</file>
+
+<file path=ppt/slides/slide11.xml><?xml version="1.0" encoding="utf-8"?>
+<p:sld xmlns:a="http://schemas.openxmlformats.org/drawingml/2006/main" xmlns:r="http://schemas.openxmlformats.org/officeDocument/2006/relationships" xmlns:p="http://schemas.openxmlformats.org/presentationml/2006/main">
+  <p:cSld>
+    <p:spTree>
+      <p:nvGrpSpPr>
+        <p:cNvPr id="1" name=""/>
+        <p:cNvGrpSpPr/>
+        <p:nvPr/>
+      </p:nvGrpSpPr>
+      <p:grpSpPr>
+        <a:xfrm>
+          <a:off x="0" y="0"/>
+          <a:ext cx="0" cy="0"/>
+          <a:chOff x="0" y="0"/>
+          <a:chExt cx="0" cy="0"/>
+        </a:xfrm>
+      </p:grpSpPr>
+      <p:pic>
+        <p:nvPicPr>
+          <p:cNvPr id="5" name="Picture 4">
+            <a:extLst>
+              <a:ext uri="{FF2B5EF4-FFF2-40B4-BE49-F238E27FC236}">
+                <a16:creationId xmlns:a16="http://schemas.microsoft.com/office/drawing/2014/main" id="{6046631E-DB38-90CC-5068-B69BD82191B7}"/>
+              </a:ext>
+            </a:extLst>
+          </p:cNvPr>
+          <p:cNvPicPr>
+            <a:picLocks noChangeAspect="1"/>
+          </p:cNvPicPr>
+          <p:nvPr/>
+        </p:nvPicPr>
+        <p:blipFill>
+          <a:blip r:embed="rId2"/>
+          <a:stretch>
+            <a:fillRect/>
+          </a:stretch>
+        </p:blipFill>
+        <p:spPr>
+          <a:xfrm>
+            <a:off x="235178" y="95250"/>
+            <a:ext cx="5791702" cy="6462320"/>
+          </a:xfrm>
+          <a:prstGeom prst="rect">
+            <a:avLst/>
+          </a:prstGeom>
+        </p:spPr>
+      </p:pic>
+      <p:sp>
+        <p:nvSpPr>
+          <p:cNvPr id="6" name="Rectangle 5">
+            <a:extLst>
+              <a:ext uri="{FF2B5EF4-FFF2-40B4-BE49-F238E27FC236}">
+                <a16:creationId xmlns:a16="http://schemas.microsoft.com/office/drawing/2014/main" id="{9EA7D65B-EA86-C5E5-84D0-67549EDED467}"/>
               </a:ext>
             </a:extLst>
           </p:cNvPr>
@@ -3946,14 +3938,14 @@
         </p:nvSpPr>
         <p:spPr>
           <a:xfrm>
-            <a:off x="10321117" y="4166558"/>
-            <a:ext cx="405441" cy="112144"/>
+            <a:off x="5054971" y="1112806"/>
+            <a:ext cx="971909" cy="4269309"/>
           </a:xfrm>
           <a:prstGeom prst="rect">
             <a:avLst/>
           </a:prstGeom>
           <a:solidFill>
-            <a:srgbClr val="577597"/>
+            <a:srgbClr val="F0F0F0"/>
           </a:solidFill>
           <a:ln>
             <a:noFill/>
@@ -3984,10 +3976,346 @@
           </a:p>
         </p:txBody>
       </p:sp>
+      <p:pic>
+        <p:nvPicPr>
+          <p:cNvPr id="7" name="Picture 6">
+            <a:extLst>
+              <a:ext uri="{FF2B5EF4-FFF2-40B4-BE49-F238E27FC236}">
+                <a16:creationId xmlns:a16="http://schemas.microsoft.com/office/drawing/2014/main" id="{D23A32CD-A5D7-5DF2-C06A-F19D286E883B}"/>
+              </a:ext>
+            </a:extLst>
+          </p:cNvPr>
+          <p:cNvPicPr>
+            <a:picLocks noChangeAspect="1"/>
+          </p:cNvPicPr>
+          <p:nvPr/>
+        </p:nvPicPr>
+        <p:blipFill>
+          <a:blip r:embed="rId3"/>
+          <a:stretch>
+            <a:fillRect/>
+          </a:stretch>
+        </p:blipFill>
+        <p:spPr>
+          <a:xfrm>
+            <a:off x="5054971" y="1419043"/>
+            <a:ext cx="934524" cy="3656833"/>
+          </a:xfrm>
+          <a:prstGeom prst="rect">
+            <a:avLst/>
+          </a:prstGeom>
+        </p:spPr>
+      </p:pic>
+      <p:pic>
+        <p:nvPicPr>
+          <p:cNvPr id="8" name="Picture 7">
+            <a:extLst>
+              <a:ext uri="{FF2B5EF4-FFF2-40B4-BE49-F238E27FC236}">
+                <a16:creationId xmlns:a16="http://schemas.microsoft.com/office/drawing/2014/main" id="{42D1C2A9-B7C3-BCCC-32FA-C4860AAEB103}"/>
+              </a:ext>
+            </a:extLst>
+          </p:cNvPr>
+          <p:cNvPicPr>
+            <a:picLocks noChangeAspect="1"/>
+          </p:cNvPicPr>
+          <p:nvPr/>
+        </p:nvPicPr>
+        <p:blipFill>
+          <a:blip r:embed="rId4"/>
+          <a:stretch>
+            <a:fillRect/>
+          </a:stretch>
+        </p:blipFill>
+        <p:spPr>
+          <a:xfrm>
+            <a:off x="4499912" y="5268923"/>
+            <a:ext cx="1526959" cy="1288647"/>
+          </a:xfrm>
+          <a:prstGeom prst="rect">
+            <a:avLst/>
+          </a:prstGeom>
+        </p:spPr>
+      </p:pic>
+      <p:sp>
+        <p:nvSpPr>
+          <p:cNvPr id="9" name="Rectangle 8">
+            <a:extLst>
+              <a:ext uri="{FF2B5EF4-FFF2-40B4-BE49-F238E27FC236}">
+                <a16:creationId xmlns:a16="http://schemas.microsoft.com/office/drawing/2014/main" id="{98DBCFF8-4B57-7D94-FCC7-BF7E64B53DA5}"/>
+              </a:ext>
+            </a:extLst>
+          </p:cNvPr>
+          <p:cNvSpPr/>
+          <p:nvPr/>
+        </p:nvSpPr>
+        <p:spPr>
+          <a:xfrm>
+            <a:off x="4499903" y="5261162"/>
+            <a:ext cx="1526959" cy="1398430"/>
+          </a:xfrm>
+          <a:prstGeom prst="rect">
+            <a:avLst/>
+          </a:prstGeom>
+          <a:noFill/>
+          <a:ln w="38100">
+            <a:solidFill>
+              <a:srgbClr val="FF0000"/>
+            </a:solidFill>
+          </a:ln>
+        </p:spPr>
+        <p:style>
+          <a:lnRef idx="2">
+            <a:schemeClr val="accent1">
+              <a:shade val="50000"/>
+            </a:schemeClr>
+          </a:lnRef>
+          <a:fillRef idx="1">
+            <a:schemeClr val="accent1"/>
+          </a:fillRef>
+          <a:effectRef idx="0">
+            <a:schemeClr val="accent1"/>
+          </a:effectRef>
+          <a:fontRef idx="minor">
+            <a:schemeClr val="lt1"/>
+          </a:fontRef>
+        </p:style>
+        <p:txBody>
+          <a:bodyPr rtlCol="0" anchor="ctr"/>
+          <a:lstStyle/>
+          <a:p>
+            <a:pPr algn="ctr"/>
+            <a:endParaRPr lang="en-PH"/>
+          </a:p>
+        </p:txBody>
+      </p:sp>
     </p:spTree>
     <p:extLst>
       <p:ext uri="{BB962C8B-B14F-4D97-AF65-F5344CB8AC3E}">
-        <p14:creationId xmlns:p14="http://schemas.microsoft.com/office/powerpoint/2010/main" val="854143356"/>
+        <p14:creationId xmlns:p14="http://schemas.microsoft.com/office/powerpoint/2010/main" val="2684673313"/>
+      </p:ext>
+    </p:extLst>
+  </p:cSld>
+  <p:clrMapOvr>
+    <a:masterClrMapping/>
+  </p:clrMapOvr>
+</p:sld>
+</file>
+
+<file path=ppt/slides/slide12.xml><?xml version="1.0" encoding="utf-8"?>
+<p:sld xmlns:a="http://schemas.openxmlformats.org/drawingml/2006/main" xmlns:r="http://schemas.openxmlformats.org/officeDocument/2006/relationships" xmlns:p="http://schemas.openxmlformats.org/presentationml/2006/main">
+  <p:cSld>
+    <p:spTree>
+      <p:nvGrpSpPr>
+        <p:cNvPr id="1" name=""/>
+        <p:cNvGrpSpPr/>
+        <p:nvPr/>
+      </p:nvGrpSpPr>
+      <p:grpSpPr>
+        <a:xfrm>
+          <a:off x="0" y="0"/>
+          <a:ext cx="0" cy="0"/>
+          <a:chOff x="0" y="0"/>
+          <a:chExt cx="0" cy="0"/>
+        </a:xfrm>
+      </p:grpSpPr>
+      <p:pic>
+        <p:nvPicPr>
+          <p:cNvPr id="5" name="Picture 4">
+            <a:extLst>
+              <a:ext uri="{FF2B5EF4-FFF2-40B4-BE49-F238E27FC236}">
+                <a16:creationId xmlns:a16="http://schemas.microsoft.com/office/drawing/2014/main" id="{FF553F48-4ED1-F8EA-CD1B-7CD580F1142A}"/>
+              </a:ext>
+            </a:extLst>
+          </p:cNvPr>
+          <p:cNvPicPr>
+            <a:picLocks noChangeAspect="1"/>
+          </p:cNvPicPr>
+          <p:nvPr/>
+        </p:nvPicPr>
+        <p:blipFill>
+          <a:blip r:embed="rId2"/>
+          <a:stretch>
+            <a:fillRect/>
+          </a:stretch>
+        </p:blipFill>
+        <p:spPr>
+          <a:xfrm>
+            <a:off x="212850" y="90512"/>
+            <a:ext cx="5883150" cy="6469941"/>
+          </a:xfrm>
+          <a:prstGeom prst="rect">
+            <a:avLst/>
+          </a:prstGeom>
+        </p:spPr>
+      </p:pic>
+      <p:sp>
+        <p:nvSpPr>
+          <p:cNvPr id="7" name="Rectangle 6">
+            <a:extLst>
+              <a:ext uri="{FF2B5EF4-FFF2-40B4-BE49-F238E27FC236}">
+                <a16:creationId xmlns:a16="http://schemas.microsoft.com/office/drawing/2014/main" id="{FF54AEFD-241F-2618-CDA7-427D41F95BE9}"/>
+              </a:ext>
+            </a:extLst>
+          </p:cNvPr>
+          <p:cNvSpPr/>
+          <p:nvPr/>
+        </p:nvSpPr>
+        <p:spPr>
+          <a:xfrm>
+            <a:off x="4988296" y="1123768"/>
+            <a:ext cx="971909" cy="4269309"/>
+          </a:xfrm>
+          <a:prstGeom prst="rect">
+            <a:avLst/>
+          </a:prstGeom>
+          <a:solidFill>
+            <a:srgbClr val="F0F0F0"/>
+          </a:solidFill>
+          <a:ln>
+            <a:noFill/>
+          </a:ln>
+        </p:spPr>
+        <p:style>
+          <a:lnRef idx="2">
+            <a:schemeClr val="accent1">
+              <a:shade val="50000"/>
+            </a:schemeClr>
+          </a:lnRef>
+          <a:fillRef idx="1">
+            <a:schemeClr val="accent1"/>
+          </a:fillRef>
+          <a:effectRef idx="0">
+            <a:schemeClr val="accent1"/>
+          </a:effectRef>
+          <a:fontRef idx="minor">
+            <a:schemeClr val="lt1"/>
+          </a:fontRef>
+        </p:style>
+        <p:txBody>
+          <a:bodyPr rtlCol="0" anchor="ctr"/>
+          <a:lstStyle/>
+          <a:p>
+            <a:pPr algn="ctr"/>
+            <a:endParaRPr lang="en-PH"/>
+          </a:p>
+        </p:txBody>
+      </p:sp>
+      <p:pic>
+        <p:nvPicPr>
+          <p:cNvPr id="6" name="Picture 5">
+            <a:extLst>
+              <a:ext uri="{FF2B5EF4-FFF2-40B4-BE49-F238E27FC236}">
+                <a16:creationId xmlns:a16="http://schemas.microsoft.com/office/drawing/2014/main" id="{46743EF0-D430-507F-5E1E-331EA934381F}"/>
+              </a:ext>
+            </a:extLst>
+          </p:cNvPr>
+          <p:cNvPicPr>
+            <a:picLocks noChangeAspect="1"/>
+          </p:cNvPicPr>
+          <p:nvPr/>
+        </p:nvPicPr>
+        <p:blipFill>
+          <a:blip r:embed="rId3"/>
+          <a:stretch>
+            <a:fillRect/>
+          </a:stretch>
+        </p:blipFill>
+        <p:spPr>
+          <a:xfrm>
+            <a:off x="5006988" y="1257118"/>
+            <a:ext cx="934524" cy="3656833"/>
+          </a:xfrm>
+          <a:prstGeom prst="rect">
+            <a:avLst/>
+          </a:prstGeom>
+        </p:spPr>
+      </p:pic>
+      <p:pic>
+        <p:nvPicPr>
+          <p:cNvPr id="8" name="Picture 7">
+            <a:extLst>
+              <a:ext uri="{FF2B5EF4-FFF2-40B4-BE49-F238E27FC236}">
+                <a16:creationId xmlns:a16="http://schemas.microsoft.com/office/drawing/2014/main" id="{BCD9C982-298B-9DED-3278-2E2ED90C595C}"/>
+              </a:ext>
+            </a:extLst>
+          </p:cNvPr>
+          <p:cNvPicPr>
+            <a:picLocks noChangeAspect="1"/>
+          </p:cNvPicPr>
+          <p:nvPr/>
+        </p:nvPicPr>
+        <p:blipFill>
+          <a:blip r:embed="rId4"/>
+          <a:stretch>
+            <a:fillRect/>
+          </a:stretch>
+        </p:blipFill>
+        <p:spPr>
+          <a:xfrm>
+            <a:off x="4433246" y="5211171"/>
+            <a:ext cx="1526959" cy="1288647"/>
+          </a:xfrm>
+          <a:prstGeom prst="rect">
+            <a:avLst/>
+          </a:prstGeom>
+        </p:spPr>
+      </p:pic>
+      <p:sp>
+        <p:nvSpPr>
+          <p:cNvPr id="9" name="Rectangle 8">
+            <a:extLst>
+              <a:ext uri="{FF2B5EF4-FFF2-40B4-BE49-F238E27FC236}">
+                <a16:creationId xmlns:a16="http://schemas.microsoft.com/office/drawing/2014/main" id="{26BC75AA-00AA-FF0F-9809-10E1FE3A92C7}"/>
+              </a:ext>
+            </a:extLst>
+          </p:cNvPr>
+          <p:cNvSpPr/>
+          <p:nvPr/>
+        </p:nvSpPr>
+        <p:spPr>
+          <a:xfrm>
+            <a:off x="4988295" y="2697345"/>
+            <a:ext cx="971909" cy="776377"/>
+          </a:xfrm>
+          <a:prstGeom prst="rect">
+            <a:avLst/>
+          </a:prstGeom>
+          <a:noFill/>
+          <a:ln w="38100">
+            <a:solidFill>
+              <a:srgbClr val="FF0000"/>
+            </a:solidFill>
+          </a:ln>
+        </p:spPr>
+        <p:style>
+          <a:lnRef idx="2">
+            <a:schemeClr val="accent1">
+              <a:shade val="50000"/>
+            </a:schemeClr>
+          </a:lnRef>
+          <a:fillRef idx="1">
+            <a:schemeClr val="accent1"/>
+          </a:fillRef>
+          <a:effectRef idx="0">
+            <a:schemeClr val="accent1"/>
+          </a:effectRef>
+          <a:fontRef idx="minor">
+            <a:schemeClr val="lt1"/>
+          </a:fontRef>
+        </p:style>
+        <p:txBody>
+          <a:bodyPr rtlCol="0" anchor="ctr"/>
+          <a:lstStyle/>
+          <a:p>
+            <a:pPr algn="ctr"/>
+            <a:endParaRPr lang="en-PH"/>
+          </a:p>
+        </p:txBody>
+      </p:sp>
+    </p:spTree>
+    <p:extLst>
+      <p:ext uri="{BB962C8B-B14F-4D97-AF65-F5344CB8AC3E}">
+        <p14:creationId xmlns:p14="http://schemas.microsoft.com/office/powerpoint/2010/main" val="2128790686"/>
       </p:ext>
     </p:extLst>
   </p:cSld>
@@ -5002,52 +5330,396 @@
           <a:chExt cx="0" cy="0"/>
         </a:xfrm>
       </p:grpSpPr>
-      <p:sp>
-        <p:nvSpPr>
-          <p:cNvPr id="2" name="Title 1">
-            <a:extLst>
-              <a:ext uri="{FF2B5EF4-FFF2-40B4-BE49-F238E27FC236}">
-                <a16:creationId xmlns:a16="http://schemas.microsoft.com/office/drawing/2014/main" id="{F768BB90-870D-C0BB-C94A-83E75AC0D082}"/>
-              </a:ext>
-            </a:extLst>
-          </p:cNvPr>
-          <p:cNvSpPr>
-            <a:spLocks noGrp="1"/>
-          </p:cNvSpPr>
-          <p:nvPr>
-            <p:ph type="title"/>
-          </p:nvPr>
-        </p:nvSpPr>
-        <p:spPr/>
-        <p:txBody>
-          <a:bodyPr/>
-          <a:lstStyle/>
-          <a:p>
-            <a:endParaRPr lang="en-PH"/>
-          </a:p>
-        </p:txBody>
-      </p:sp>
-      <p:sp>
-        <p:nvSpPr>
-          <p:cNvPr id="3" name="Content Placeholder 2">
-            <a:extLst>
-              <a:ext uri="{FF2B5EF4-FFF2-40B4-BE49-F238E27FC236}">
-                <a16:creationId xmlns:a16="http://schemas.microsoft.com/office/drawing/2014/main" id="{24AACD20-FA30-FE59-BEE7-3F42FEB76FD1}"/>
-              </a:ext>
-            </a:extLst>
-          </p:cNvPr>
-          <p:cNvSpPr>
-            <a:spLocks noGrp="1"/>
-          </p:cNvSpPr>
-          <p:nvPr>
-            <p:ph idx="1"/>
-          </p:nvPr>
-        </p:nvSpPr>
-        <p:spPr/>
-        <p:txBody>
-          <a:bodyPr/>
-          <a:lstStyle/>
-          <a:p>
+      <p:pic>
+        <p:nvPicPr>
+          <p:cNvPr id="5" name="Picture 4" descr="Graphical user interface, text, application&#10;&#10;Description automatically generated">
+            <a:extLst>
+              <a:ext uri="{FF2B5EF4-FFF2-40B4-BE49-F238E27FC236}">
+                <a16:creationId xmlns:a16="http://schemas.microsoft.com/office/drawing/2014/main" id="{95D136DD-4A65-0B94-29D4-DD5800287FF6}"/>
+              </a:ext>
+            </a:extLst>
+          </p:cNvPr>
+          <p:cNvPicPr>
+            <a:picLocks noChangeAspect="1"/>
+          </p:cNvPicPr>
+          <p:nvPr/>
+        </p:nvPicPr>
+        <p:blipFill rotWithShape="1">
+          <a:blip r:embed="rId2">
+            <a:extLst>
+              <a:ext uri="{28A0092B-C50C-407E-A947-70E740481C1C}">
+                <a14:useLocalDpi xmlns:a14="http://schemas.microsoft.com/office/drawing/2010/main" val="0"/>
+              </a:ext>
+            </a:extLst>
+          </a:blip>
+          <a:srcRect t="3574"/>
+          <a:stretch/>
+        </p:blipFill>
+        <p:spPr>
+          <a:xfrm>
+            <a:off x="0" y="245096"/>
+            <a:ext cx="3164458" cy="6612903"/>
+          </a:xfrm>
+          <a:prstGeom prst="rect">
+            <a:avLst/>
+          </a:prstGeom>
+        </p:spPr>
+      </p:pic>
+      <p:pic>
+        <p:nvPicPr>
+          <p:cNvPr id="7" name="Picture 6" descr="Graphical user interface, text&#10;&#10;Description automatically generated">
+            <a:extLst>
+              <a:ext uri="{FF2B5EF4-FFF2-40B4-BE49-F238E27FC236}">
+                <a16:creationId xmlns:a16="http://schemas.microsoft.com/office/drawing/2014/main" id="{6CC58941-39D2-F2A1-A624-3204DE17C38F}"/>
+              </a:ext>
+            </a:extLst>
+          </p:cNvPr>
+          <p:cNvPicPr>
+            <a:picLocks noChangeAspect="1"/>
+          </p:cNvPicPr>
+          <p:nvPr/>
+        </p:nvPicPr>
+        <p:blipFill rotWithShape="1">
+          <a:blip r:embed="rId3">
+            <a:extLst>
+              <a:ext uri="{28A0092B-C50C-407E-A947-70E740481C1C}">
+                <a14:useLocalDpi xmlns:a14="http://schemas.microsoft.com/office/drawing/2010/main" val="0"/>
+              </a:ext>
+            </a:extLst>
+          </a:blip>
+          <a:srcRect t="3574"/>
+          <a:stretch/>
+        </p:blipFill>
+        <p:spPr>
+          <a:xfrm>
+            <a:off x="4513771" y="245096"/>
+            <a:ext cx="3164458" cy="6612904"/>
+          </a:xfrm>
+          <a:prstGeom prst="rect">
+            <a:avLst/>
+          </a:prstGeom>
+        </p:spPr>
+      </p:pic>
+      <p:pic>
+        <p:nvPicPr>
+          <p:cNvPr id="9" name="Picture 8" descr="Text&#10;&#10;Description automatically generated with medium confidence">
+            <a:extLst>
+              <a:ext uri="{FF2B5EF4-FFF2-40B4-BE49-F238E27FC236}">
+                <a16:creationId xmlns:a16="http://schemas.microsoft.com/office/drawing/2014/main" id="{A4A6B6D1-401C-3423-EA1A-5D76F2466C30}"/>
+              </a:ext>
+            </a:extLst>
+          </p:cNvPr>
+          <p:cNvPicPr>
+            <a:picLocks noChangeAspect="1"/>
+          </p:cNvPicPr>
+          <p:nvPr/>
+        </p:nvPicPr>
+        <p:blipFill rotWithShape="1">
+          <a:blip r:embed="rId4">
+            <a:extLst>
+              <a:ext uri="{28A0092B-C50C-407E-A947-70E740481C1C}">
+                <a14:useLocalDpi xmlns:a14="http://schemas.microsoft.com/office/drawing/2010/main" val="0"/>
+              </a:ext>
+            </a:extLst>
+          </a:blip>
+          <a:srcRect t="3574"/>
+          <a:stretch/>
+        </p:blipFill>
+        <p:spPr>
+          <a:xfrm>
+            <a:off x="9027542" y="245094"/>
+            <a:ext cx="3164458" cy="6612905"/>
+          </a:xfrm>
+          <a:prstGeom prst="rect">
+            <a:avLst/>
+          </a:prstGeom>
+        </p:spPr>
+      </p:pic>
+      <p:sp>
+        <p:nvSpPr>
+          <p:cNvPr id="10" name="Rectangle 9">
+            <a:extLst>
+              <a:ext uri="{FF2B5EF4-FFF2-40B4-BE49-F238E27FC236}">
+                <a16:creationId xmlns:a16="http://schemas.microsoft.com/office/drawing/2014/main" id="{FAE18031-E23B-7EF3-2734-5856036C4048}"/>
+              </a:ext>
+            </a:extLst>
+          </p:cNvPr>
+          <p:cNvSpPr/>
+          <p:nvPr/>
+        </p:nvSpPr>
+        <p:spPr>
+          <a:xfrm>
+            <a:off x="1225485" y="904973"/>
+            <a:ext cx="697583" cy="169683"/>
+          </a:xfrm>
+          <a:prstGeom prst="rect">
+            <a:avLst/>
+          </a:prstGeom>
+          <a:solidFill>
+            <a:srgbClr val="000000"/>
+          </a:solidFill>
+          <a:ln>
+            <a:noFill/>
+          </a:ln>
+        </p:spPr>
+        <p:style>
+          <a:lnRef idx="2">
+            <a:schemeClr val="dk1">
+              <a:shade val="50000"/>
+            </a:schemeClr>
+          </a:lnRef>
+          <a:fillRef idx="1">
+            <a:schemeClr val="dk1"/>
+          </a:fillRef>
+          <a:effectRef idx="0">
+            <a:schemeClr val="dk1"/>
+          </a:effectRef>
+          <a:fontRef idx="minor">
+            <a:schemeClr val="lt1"/>
+          </a:fontRef>
+        </p:style>
+        <p:txBody>
+          <a:bodyPr rtlCol="0" anchor="ctr"/>
+          <a:lstStyle/>
+          <a:p>
+            <a:pPr algn="ctr"/>
+            <a:endParaRPr lang="en-PH"/>
+          </a:p>
+        </p:txBody>
+      </p:sp>
+      <p:sp>
+        <p:nvSpPr>
+          <p:cNvPr id="11" name="Rectangle 10">
+            <a:extLst>
+              <a:ext uri="{FF2B5EF4-FFF2-40B4-BE49-F238E27FC236}">
+                <a16:creationId xmlns:a16="http://schemas.microsoft.com/office/drawing/2014/main" id="{7A69C2F6-841B-F75F-5F8A-C0B2F80D1616}"/>
+              </a:ext>
+            </a:extLst>
+          </p:cNvPr>
+          <p:cNvSpPr/>
+          <p:nvPr/>
+        </p:nvSpPr>
+        <p:spPr>
+          <a:xfrm>
+            <a:off x="5629374" y="923827"/>
+            <a:ext cx="856267" cy="150829"/>
+          </a:xfrm>
+          <a:prstGeom prst="rect">
+            <a:avLst/>
+          </a:prstGeom>
+          <a:solidFill>
+            <a:srgbClr val="000000"/>
+          </a:solidFill>
+          <a:ln>
+            <a:noFill/>
+          </a:ln>
+        </p:spPr>
+        <p:style>
+          <a:lnRef idx="2">
+            <a:schemeClr val="dk1">
+              <a:shade val="50000"/>
+            </a:schemeClr>
+          </a:lnRef>
+          <a:fillRef idx="1">
+            <a:schemeClr val="dk1"/>
+          </a:fillRef>
+          <a:effectRef idx="0">
+            <a:schemeClr val="dk1"/>
+          </a:effectRef>
+          <a:fontRef idx="minor">
+            <a:schemeClr val="lt1"/>
+          </a:fontRef>
+        </p:style>
+        <p:txBody>
+          <a:bodyPr rtlCol="0" anchor="ctr"/>
+          <a:lstStyle/>
+          <a:p>
+            <a:pPr algn="ctr"/>
+            <a:endParaRPr lang="en-PH"/>
+          </a:p>
+        </p:txBody>
+      </p:sp>
+      <p:sp>
+        <p:nvSpPr>
+          <p:cNvPr id="12" name="Rectangle 11">
+            <a:extLst>
+              <a:ext uri="{FF2B5EF4-FFF2-40B4-BE49-F238E27FC236}">
+                <a16:creationId xmlns:a16="http://schemas.microsoft.com/office/drawing/2014/main" id="{D1928AAA-9ED0-90DB-C062-070AE6464779}"/>
+              </a:ext>
+            </a:extLst>
+          </p:cNvPr>
+          <p:cNvSpPr/>
+          <p:nvPr/>
+        </p:nvSpPr>
+        <p:spPr>
+          <a:xfrm>
+            <a:off x="5629373" y="2820186"/>
+            <a:ext cx="856267" cy="150829"/>
+          </a:xfrm>
+          <a:prstGeom prst="rect">
+            <a:avLst/>
+          </a:prstGeom>
+          <a:solidFill>
+            <a:srgbClr val="000000"/>
+          </a:solidFill>
+          <a:ln>
+            <a:noFill/>
+          </a:ln>
+        </p:spPr>
+        <p:style>
+          <a:lnRef idx="2">
+            <a:schemeClr val="dk1">
+              <a:shade val="50000"/>
+            </a:schemeClr>
+          </a:lnRef>
+          <a:fillRef idx="1">
+            <a:schemeClr val="dk1"/>
+          </a:fillRef>
+          <a:effectRef idx="0">
+            <a:schemeClr val="dk1"/>
+          </a:effectRef>
+          <a:fontRef idx="minor">
+            <a:schemeClr val="lt1"/>
+          </a:fontRef>
+        </p:style>
+        <p:txBody>
+          <a:bodyPr rtlCol="0" anchor="ctr"/>
+          <a:lstStyle/>
+          <a:p>
+            <a:pPr algn="ctr"/>
+            <a:endParaRPr lang="en-PH"/>
+          </a:p>
+        </p:txBody>
+      </p:sp>
+      <p:sp>
+        <p:nvSpPr>
+          <p:cNvPr id="13" name="Rectangle 12">
+            <a:extLst>
+              <a:ext uri="{FF2B5EF4-FFF2-40B4-BE49-F238E27FC236}">
+                <a16:creationId xmlns:a16="http://schemas.microsoft.com/office/drawing/2014/main" id="{5B658879-711D-7B29-727B-D54BCBF5E3AE}"/>
+              </a:ext>
+            </a:extLst>
+          </p:cNvPr>
+          <p:cNvSpPr/>
+          <p:nvPr/>
+        </p:nvSpPr>
+        <p:spPr>
+          <a:xfrm>
+            <a:off x="10181637" y="1549139"/>
+            <a:ext cx="856267" cy="150829"/>
+          </a:xfrm>
+          <a:prstGeom prst="rect">
+            <a:avLst/>
+          </a:prstGeom>
+          <a:solidFill>
+            <a:srgbClr val="000000"/>
+          </a:solidFill>
+          <a:ln>
+            <a:noFill/>
+          </a:ln>
+        </p:spPr>
+        <p:style>
+          <a:lnRef idx="2">
+            <a:schemeClr val="dk1">
+              <a:shade val="50000"/>
+            </a:schemeClr>
+          </a:lnRef>
+          <a:fillRef idx="1">
+            <a:schemeClr val="dk1"/>
+          </a:fillRef>
+          <a:effectRef idx="0">
+            <a:schemeClr val="dk1"/>
+          </a:effectRef>
+          <a:fontRef idx="minor">
+            <a:schemeClr val="lt1"/>
+          </a:fontRef>
+        </p:style>
+        <p:txBody>
+          <a:bodyPr rtlCol="0" anchor="ctr"/>
+          <a:lstStyle/>
+          <a:p>
+            <a:pPr algn="ctr"/>
+            <a:endParaRPr lang="en-PH"/>
+          </a:p>
+        </p:txBody>
+      </p:sp>
+      <p:pic>
+        <p:nvPicPr>
+          <p:cNvPr id="15" name="Picture 14">
+            <a:extLst>
+              <a:ext uri="{FF2B5EF4-FFF2-40B4-BE49-F238E27FC236}">
+                <a16:creationId xmlns:a16="http://schemas.microsoft.com/office/drawing/2014/main" id="{E91684B5-55BD-5BA0-C77D-9A15F2879EE6}"/>
+              </a:ext>
+            </a:extLst>
+          </p:cNvPr>
+          <p:cNvPicPr>
+            <a:picLocks noChangeAspect="1"/>
+          </p:cNvPicPr>
+          <p:nvPr/>
+        </p:nvPicPr>
+        <p:blipFill rotWithShape="1">
+          <a:blip r:embed="rId5"/>
+          <a:srcRect t="5957"/>
+          <a:stretch/>
+        </p:blipFill>
+        <p:spPr>
+          <a:xfrm>
+            <a:off x="4662532" y="2713347"/>
+            <a:ext cx="2703233" cy="2033756"/>
+          </a:xfrm>
+          <a:prstGeom prst="rect">
+            <a:avLst/>
+          </a:prstGeom>
+        </p:spPr>
+      </p:pic>
+      <p:sp>
+        <p:nvSpPr>
+          <p:cNvPr id="16" name="Rectangle 15">
+            <a:extLst>
+              <a:ext uri="{FF2B5EF4-FFF2-40B4-BE49-F238E27FC236}">
+                <a16:creationId xmlns:a16="http://schemas.microsoft.com/office/drawing/2014/main" id="{478F365D-B035-4871-2497-A5BA3A00321B}"/>
+              </a:ext>
+            </a:extLst>
+          </p:cNvPr>
+          <p:cNvSpPr/>
+          <p:nvPr/>
+        </p:nvSpPr>
+        <p:spPr>
+          <a:xfrm>
+            <a:off x="4662531" y="4747103"/>
+            <a:ext cx="2703233" cy="324518"/>
+          </a:xfrm>
+          <a:prstGeom prst="rect">
+            <a:avLst/>
+          </a:prstGeom>
+          <a:solidFill>
+            <a:srgbClr val="000000"/>
+          </a:solidFill>
+          <a:ln>
+            <a:noFill/>
+          </a:ln>
+        </p:spPr>
+        <p:style>
+          <a:lnRef idx="2">
+            <a:schemeClr val="dk1">
+              <a:shade val="50000"/>
+            </a:schemeClr>
+          </a:lnRef>
+          <a:fillRef idx="1">
+            <a:schemeClr val="dk1"/>
+          </a:fillRef>
+          <a:effectRef idx="0">
+            <a:schemeClr val="dk1"/>
+          </a:effectRef>
+          <a:fontRef idx="minor">
+            <a:schemeClr val="lt1"/>
+          </a:fontRef>
+        </p:style>
+        <p:txBody>
+          <a:bodyPr rtlCol="0" anchor="ctr"/>
+          <a:lstStyle/>
+          <a:p>
+            <a:pPr algn="ctr"/>
             <a:endParaRPr lang="en-PH"/>
           </a:p>
         </p:txBody>
@@ -5055,7 +5727,7 @@
     </p:spTree>
     <p:extLst>
       <p:ext uri="{BB962C8B-B14F-4D97-AF65-F5344CB8AC3E}">
-        <p14:creationId xmlns:p14="http://schemas.microsoft.com/office/powerpoint/2010/main" val="1363624446"/>
+        <p14:creationId xmlns:p14="http://schemas.microsoft.com/office/powerpoint/2010/main" val="2084462464"/>
       </p:ext>
     </p:extLst>
   </p:cSld>
@@ -5082,52 +5754,590 @@
           <a:chExt cx="0" cy="0"/>
         </a:xfrm>
       </p:grpSpPr>
-      <p:sp>
-        <p:nvSpPr>
-          <p:cNvPr id="2" name="Title 1">
-            <a:extLst>
-              <a:ext uri="{FF2B5EF4-FFF2-40B4-BE49-F238E27FC236}">
-                <a16:creationId xmlns:a16="http://schemas.microsoft.com/office/drawing/2014/main" id="{B1269B97-CF4B-6AE9-BF24-B813A38F20EE}"/>
-              </a:ext>
-            </a:extLst>
-          </p:cNvPr>
-          <p:cNvSpPr>
-            <a:spLocks noGrp="1"/>
-          </p:cNvSpPr>
-          <p:nvPr>
-            <p:ph type="title"/>
-          </p:nvPr>
-        </p:nvSpPr>
-        <p:spPr/>
-        <p:txBody>
-          <a:bodyPr/>
-          <a:lstStyle/>
-          <a:p>
-            <a:endParaRPr lang="en-PH"/>
-          </a:p>
-        </p:txBody>
-      </p:sp>
-      <p:sp>
-        <p:nvSpPr>
-          <p:cNvPr id="3" name="Content Placeholder 2">
-            <a:extLst>
-              <a:ext uri="{FF2B5EF4-FFF2-40B4-BE49-F238E27FC236}">
-                <a16:creationId xmlns:a16="http://schemas.microsoft.com/office/drawing/2014/main" id="{5895F81E-33B9-21A0-7EAA-BCBCF46AE670}"/>
-              </a:ext>
-            </a:extLst>
-          </p:cNvPr>
-          <p:cNvSpPr>
-            <a:spLocks noGrp="1"/>
-          </p:cNvSpPr>
-          <p:nvPr>
-            <p:ph idx="1"/>
-          </p:nvPr>
-        </p:nvSpPr>
-        <p:spPr/>
-        <p:txBody>
-          <a:bodyPr/>
-          <a:lstStyle/>
-          <a:p>
+      <p:pic>
+        <p:nvPicPr>
+          <p:cNvPr id="5" name="Picture 4" descr="Graphical user interface, text, application&#10;&#10;Description automatically generated">
+            <a:extLst>
+              <a:ext uri="{FF2B5EF4-FFF2-40B4-BE49-F238E27FC236}">
+                <a16:creationId xmlns:a16="http://schemas.microsoft.com/office/drawing/2014/main" id="{1C61A27F-ACBA-E54D-5CB7-200851814325}"/>
+              </a:ext>
+            </a:extLst>
+          </p:cNvPr>
+          <p:cNvPicPr>
+            <a:picLocks noChangeAspect="1"/>
+          </p:cNvPicPr>
+          <p:nvPr/>
+        </p:nvPicPr>
+        <p:blipFill rotWithShape="1">
+          <a:blip r:embed="rId2">
+            <a:extLst>
+              <a:ext uri="{28A0092B-C50C-407E-A947-70E740481C1C}">
+                <a14:useLocalDpi xmlns:a14="http://schemas.microsoft.com/office/drawing/2010/main" val="0"/>
+              </a:ext>
+            </a:extLst>
+          </a:blip>
+          <a:srcRect t="3522"/>
+          <a:stretch/>
+        </p:blipFill>
+        <p:spPr>
+          <a:xfrm>
+            <a:off x="0" y="241540"/>
+            <a:ext cx="3336324" cy="6616460"/>
+          </a:xfrm>
+          <a:prstGeom prst="rect">
+            <a:avLst/>
+          </a:prstGeom>
+          <a:ln>
+            <a:solidFill>
+              <a:schemeClr val="tx1"/>
+            </a:solidFill>
+          </a:ln>
+        </p:spPr>
+      </p:pic>
+      <p:pic>
+        <p:nvPicPr>
+          <p:cNvPr id="7" name="Picture 6" descr="Graphical user interface, text, application, chat or text message&#10;&#10;Description automatically generated">
+            <a:extLst>
+              <a:ext uri="{FF2B5EF4-FFF2-40B4-BE49-F238E27FC236}">
+                <a16:creationId xmlns:a16="http://schemas.microsoft.com/office/drawing/2014/main" id="{0A616F87-0626-FEDF-AC1A-26EDDBB4930A}"/>
+              </a:ext>
+            </a:extLst>
+          </p:cNvPr>
+          <p:cNvPicPr>
+            <a:picLocks noChangeAspect="1"/>
+          </p:cNvPicPr>
+          <p:nvPr/>
+        </p:nvPicPr>
+        <p:blipFill rotWithShape="1">
+          <a:blip r:embed="rId3">
+            <a:extLst>
+              <a:ext uri="{28A0092B-C50C-407E-A947-70E740481C1C}">
+                <a14:useLocalDpi xmlns:a14="http://schemas.microsoft.com/office/drawing/2010/main" val="0"/>
+              </a:ext>
+            </a:extLst>
+          </a:blip>
+          <a:srcRect t="3522"/>
+          <a:stretch/>
+        </p:blipFill>
+        <p:spPr>
+          <a:xfrm>
+            <a:off x="4427838" y="241540"/>
+            <a:ext cx="3336324" cy="6616460"/>
+          </a:xfrm>
+          <a:prstGeom prst="rect">
+            <a:avLst/>
+          </a:prstGeom>
+          <a:ln>
+            <a:solidFill>
+              <a:schemeClr val="tx1"/>
+            </a:solidFill>
+          </a:ln>
+        </p:spPr>
+      </p:pic>
+      <p:pic>
+        <p:nvPicPr>
+          <p:cNvPr id="9" name="Picture 8" descr="Graphical user interface, text, application, chat or text message&#10;&#10;Description automatically generated">
+            <a:extLst>
+              <a:ext uri="{FF2B5EF4-FFF2-40B4-BE49-F238E27FC236}">
+                <a16:creationId xmlns:a16="http://schemas.microsoft.com/office/drawing/2014/main" id="{E7BCED0B-70A4-5D23-8E5F-680C54FB5096}"/>
+              </a:ext>
+            </a:extLst>
+          </p:cNvPr>
+          <p:cNvPicPr>
+            <a:picLocks noChangeAspect="1"/>
+          </p:cNvPicPr>
+          <p:nvPr/>
+        </p:nvPicPr>
+        <p:blipFill rotWithShape="1">
+          <a:blip r:embed="rId4">
+            <a:extLst>
+              <a:ext uri="{28A0092B-C50C-407E-A947-70E740481C1C}">
+                <a14:useLocalDpi xmlns:a14="http://schemas.microsoft.com/office/drawing/2010/main" val="0"/>
+              </a:ext>
+            </a:extLst>
+          </a:blip>
+          <a:srcRect t="3522"/>
+          <a:stretch/>
+        </p:blipFill>
+        <p:spPr>
+          <a:xfrm>
+            <a:off x="8855676" y="241538"/>
+            <a:ext cx="3336324" cy="6616461"/>
+          </a:xfrm>
+          <a:prstGeom prst="rect">
+            <a:avLst/>
+          </a:prstGeom>
+          <a:ln>
+            <a:solidFill>
+              <a:schemeClr val="tx1"/>
+            </a:solidFill>
+          </a:ln>
+        </p:spPr>
+      </p:pic>
+      <p:sp>
+        <p:nvSpPr>
+          <p:cNvPr id="10" name="Rectangle 9">
+            <a:extLst>
+              <a:ext uri="{FF2B5EF4-FFF2-40B4-BE49-F238E27FC236}">
+                <a16:creationId xmlns:a16="http://schemas.microsoft.com/office/drawing/2014/main" id="{85B31361-5266-5E4F-3569-D28B09EAB8BE}"/>
+              </a:ext>
+            </a:extLst>
+          </p:cNvPr>
+          <p:cNvSpPr/>
+          <p:nvPr/>
+        </p:nvSpPr>
+        <p:spPr>
+          <a:xfrm>
+            <a:off x="2676525" y="2038350"/>
+            <a:ext cx="371475" cy="161925"/>
+          </a:xfrm>
+          <a:prstGeom prst="rect">
+            <a:avLst/>
+          </a:prstGeom>
+          <a:solidFill>
+            <a:srgbClr val="FCFCFC"/>
+          </a:solidFill>
+          <a:ln>
+            <a:noFill/>
+          </a:ln>
+        </p:spPr>
+        <p:style>
+          <a:lnRef idx="2">
+            <a:schemeClr val="accent1">
+              <a:shade val="50000"/>
+            </a:schemeClr>
+          </a:lnRef>
+          <a:fillRef idx="1">
+            <a:schemeClr val="accent1"/>
+          </a:fillRef>
+          <a:effectRef idx="0">
+            <a:schemeClr val="accent1"/>
+          </a:effectRef>
+          <a:fontRef idx="minor">
+            <a:schemeClr val="lt1"/>
+          </a:fontRef>
+        </p:style>
+        <p:txBody>
+          <a:bodyPr rtlCol="0" anchor="ctr"/>
+          <a:lstStyle/>
+          <a:p>
+            <a:pPr algn="ctr"/>
+            <a:endParaRPr lang="en-PH"/>
+          </a:p>
+        </p:txBody>
+      </p:sp>
+      <p:sp>
+        <p:nvSpPr>
+          <p:cNvPr id="11" name="Rectangle 10">
+            <a:extLst>
+              <a:ext uri="{FF2B5EF4-FFF2-40B4-BE49-F238E27FC236}">
+                <a16:creationId xmlns:a16="http://schemas.microsoft.com/office/drawing/2014/main" id="{A46ED479-F0A7-B904-4E59-CA077F590DBB}"/>
+              </a:ext>
+            </a:extLst>
+          </p:cNvPr>
+          <p:cNvSpPr/>
+          <p:nvPr/>
+        </p:nvSpPr>
+        <p:spPr>
+          <a:xfrm>
+            <a:off x="1156958" y="793272"/>
+            <a:ext cx="973767" cy="147008"/>
+          </a:xfrm>
+          <a:prstGeom prst="rect">
+            <a:avLst/>
+          </a:prstGeom>
+          <a:solidFill>
+            <a:srgbClr val="FCFCFC"/>
+          </a:solidFill>
+          <a:ln>
+            <a:noFill/>
+          </a:ln>
+        </p:spPr>
+        <p:style>
+          <a:lnRef idx="2">
+            <a:schemeClr val="accent1">
+              <a:shade val="50000"/>
+            </a:schemeClr>
+          </a:lnRef>
+          <a:fillRef idx="1">
+            <a:schemeClr val="accent1"/>
+          </a:fillRef>
+          <a:effectRef idx="0">
+            <a:schemeClr val="accent1"/>
+          </a:effectRef>
+          <a:fontRef idx="minor">
+            <a:schemeClr val="lt1"/>
+          </a:fontRef>
+        </p:style>
+        <p:txBody>
+          <a:bodyPr rtlCol="0" anchor="ctr"/>
+          <a:lstStyle/>
+          <a:p>
+            <a:pPr algn="ctr"/>
+            <a:endParaRPr lang="en-PH"/>
+          </a:p>
+        </p:txBody>
+      </p:sp>
+      <p:sp>
+        <p:nvSpPr>
+          <p:cNvPr id="12" name="Rectangle 11">
+            <a:extLst>
+              <a:ext uri="{FF2B5EF4-FFF2-40B4-BE49-F238E27FC236}">
+                <a16:creationId xmlns:a16="http://schemas.microsoft.com/office/drawing/2014/main" id="{03078083-6E3F-84AF-E946-C256B2C8173A}"/>
+              </a:ext>
+            </a:extLst>
+          </p:cNvPr>
+          <p:cNvSpPr/>
+          <p:nvPr/>
+        </p:nvSpPr>
+        <p:spPr>
+          <a:xfrm>
+            <a:off x="5609116" y="793272"/>
+            <a:ext cx="973767" cy="147008"/>
+          </a:xfrm>
+          <a:prstGeom prst="rect">
+            <a:avLst/>
+          </a:prstGeom>
+          <a:solidFill>
+            <a:srgbClr val="FCFCFC"/>
+          </a:solidFill>
+          <a:ln>
+            <a:noFill/>
+          </a:ln>
+        </p:spPr>
+        <p:style>
+          <a:lnRef idx="2">
+            <a:schemeClr val="accent1">
+              <a:shade val="50000"/>
+            </a:schemeClr>
+          </a:lnRef>
+          <a:fillRef idx="1">
+            <a:schemeClr val="accent1"/>
+          </a:fillRef>
+          <a:effectRef idx="0">
+            <a:schemeClr val="accent1"/>
+          </a:effectRef>
+          <a:fontRef idx="minor">
+            <a:schemeClr val="lt1"/>
+          </a:fontRef>
+        </p:style>
+        <p:txBody>
+          <a:bodyPr rtlCol="0" anchor="ctr"/>
+          <a:lstStyle/>
+          <a:p>
+            <a:pPr algn="ctr"/>
+            <a:endParaRPr lang="en-PH"/>
+          </a:p>
+        </p:txBody>
+      </p:sp>
+      <p:sp>
+        <p:nvSpPr>
+          <p:cNvPr id="13" name="Rectangle 12">
+            <a:extLst>
+              <a:ext uri="{FF2B5EF4-FFF2-40B4-BE49-F238E27FC236}">
+                <a16:creationId xmlns:a16="http://schemas.microsoft.com/office/drawing/2014/main" id="{0A063987-91E0-5DF5-2F50-D2513B49E69D}"/>
+              </a:ext>
+            </a:extLst>
+          </p:cNvPr>
+          <p:cNvSpPr/>
+          <p:nvPr/>
+        </p:nvSpPr>
+        <p:spPr>
+          <a:xfrm>
+            <a:off x="7116253" y="2038349"/>
+            <a:ext cx="371475" cy="161925"/>
+          </a:xfrm>
+          <a:prstGeom prst="rect">
+            <a:avLst/>
+          </a:prstGeom>
+          <a:solidFill>
+            <a:srgbClr val="FCFCFC"/>
+          </a:solidFill>
+          <a:ln>
+            <a:noFill/>
+          </a:ln>
+        </p:spPr>
+        <p:style>
+          <a:lnRef idx="2">
+            <a:schemeClr val="accent1">
+              <a:shade val="50000"/>
+            </a:schemeClr>
+          </a:lnRef>
+          <a:fillRef idx="1">
+            <a:schemeClr val="accent1"/>
+          </a:fillRef>
+          <a:effectRef idx="0">
+            <a:schemeClr val="accent1"/>
+          </a:effectRef>
+          <a:fontRef idx="minor">
+            <a:schemeClr val="lt1"/>
+          </a:fontRef>
+        </p:style>
+        <p:txBody>
+          <a:bodyPr rtlCol="0" anchor="ctr"/>
+          <a:lstStyle/>
+          <a:p>
+            <a:pPr algn="ctr"/>
+            <a:endParaRPr lang="en-PH"/>
+          </a:p>
+        </p:txBody>
+      </p:sp>
+      <p:sp>
+        <p:nvSpPr>
+          <p:cNvPr id="14" name="Rectangle 13">
+            <a:extLst>
+              <a:ext uri="{FF2B5EF4-FFF2-40B4-BE49-F238E27FC236}">
+                <a16:creationId xmlns:a16="http://schemas.microsoft.com/office/drawing/2014/main" id="{B1CF7AD5-B93B-E6D8-1446-A02D23DEA4C7}"/>
+              </a:ext>
+            </a:extLst>
+          </p:cNvPr>
+          <p:cNvSpPr/>
+          <p:nvPr/>
+        </p:nvSpPr>
+        <p:spPr>
+          <a:xfrm>
+            <a:off x="7116253" y="3549768"/>
+            <a:ext cx="371475" cy="161925"/>
+          </a:xfrm>
+          <a:prstGeom prst="rect">
+            <a:avLst/>
+          </a:prstGeom>
+          <a:solidFill>
+            <a:srgbClr val="FCFCFC"/>
+          </a:solidFill>
+          <a:ln>
+            <a:noFill/>
+          </a:ln>
+        </p:spPr>
+        <p:style>
+          <a:lnRef idx="2">
+            <a:schemeClr val="accent1">
+              <a:shade val="50000"/>
+            </a:schemeClr>
+          </a:lnRef>
+          <a:fillRef idx="1">
+            <a:schemeClr val="accent1"/>
+          </a:fillRef>
+          <a:effectRef idx="0">
+            <a:schemeClr val="accent1"/>
+          </a:effectRef>
+          <a:fontRef idx="minor">
+            <a:schemeClr val="lt1"/>
+          </a:fontRef>
+        </p:style>
+        <p:txBody>
+          <a:bodyPr rtlCol="0" anchor="ctr"/>
+          <a:lstStyle/>
+          <a:p>
+            <a:pPr algn="ctr"/>
+            <a:endParaRPr lang="en-PH"/>
+          </a:p>
+        </p:txBody>
+      </p:sp>
+      <p:sp>
+        <p:nvSpPr>
+          <p:cNvPr id="15" name="Rectangle 14">
+            <a:extLst>
+              <a:ext uri="{FF2B5EF4-FFF2-40B4-BE49-F238E27FC236}">
+                <a16:creationId xmlns:a16="http://schemas.microsoft.com/office/drawing/2014/main" id="{6106CA42-036B-32B2-5D0F-5DFD342A76B2}"/>
+              </a:ext>
+            </a:extLst>
+          </p:cNvPr>
+          <p:cNvSpPr/>
+          <p:nvPr/>
+        </p:nvSpPr>
+        <p:spPr>
+          <a:xfrm>
+            <a:off x="11541604" y="5313512"/>
+            <a:ext cx="371475" cy="161925"/>
+          </a:xfrm>
+          <a:prstGeom prst="rect">
+            <a:avLst/>
+          </a:prstGeom>
+          <a:solidFill>
+            <a:srgbClr val="FCFCFC"/>
+          </a:solidFill>
+          <a:ln>
+            <a:noFill/>
+          </a:ln>
+        </p:spPr>
+        <p:style>
+          <a:lnRef idx="2">
+            <a:schemeClr val="accent1">
+              <a:shade val="50000"/>
+            </a:schemeClr>
+          </a:lnRef>
+          <a:fillRef idx="1">
+            <a:schemeClr val="accent1"/>
+          </a:fillRef>
+          <a:effectRef idx="0">
+            <a:schemeClr val="accent1"/>
+          </a:effectRef>
+          <a:fontRef idx="minor">
+            <a:schemeClr val="lt1"/>
+          </a:fontRef>
+        </p:style>
+        <p:txBody>
+          <a:bodyPr rtlCol="0" anchor="ctr"/>
+          <a:lstStyle/>
+          <a:p>
+            <a:pPr algn="ctr"/>
+            <a:endParaRPr lang="en-PH"/>
+          </a:p>
+        </p:txBody>
+      </p:sp>
+      <p:sp>
+        <p:nvSpPr>
+          <p:cNvPr id="16" name="Rectangle 15">
+            <a:extLst>
+              <a:ext uri="{FF2B5EF4-FFF2-40B4-BE49-F238E27FC236}">
+                <a16:creationId xmlns:a16="http://schemas.microsoft.com/office/drawing/2014/main" id="{4F59C257-49DA-EBBA-0AAA-D7A7CD2F004C}"/>
+              </a:ext>
+            </a:extLst>
+          </p:cNvPr>
+          <p:cNvSpPr/>
+          <p:nvPr/>
+        </p:nvSpPr>
+        <p:spPr>
+          <a:xfrm>
+            <a:off x="11541603" y="3630730"/>
+            <a:ext cx="371475" cy="161925"/>
+          </a:xfrm>
+          <a:prstGeom prst="rect">
+            <a:avLst/>
+          </a:prstGeom>
+          <a:solidFill>
+            <a:srgbClr val="FCFCFC"/>
+          </a:solidFill>
+          <a:ln>
+            <a:noFill/>
+          </a:ln>
+        </p:spPr>
+        <p:style>
+          <a:lnRef idx="2">
+            <a:schemeClr val="accent1">
+              <a:shade val="50000"/>
+            </a:schemeClr>
+          </a:lnRef>
+          <a:fillRef idx="1">
+            <a:schemeClr val="accent1"/>
+          </a:fillRef>
+          <a:effectRef idx="0">
+            <a:schemeClr val="accent1"/>
+          </a:effectRef>
+          <a:fontRef idx="minor">
+            <a:schemeClr val="lt1"/>
+          </a:fontRef>
+        </p:style>
+        <p:txBody>
+          <a:bodyPr rtlCol="0" anchor="ctr"/>
+          <a:lstStyle/>
+          <a:p>
+            <a:pPr algn="ctr"/>
+            <a:endParaRPr lang="en-PH"/>
+          </a:p>
+        </p:txBody>
+      </p:sp>
+      <p:sp>
+        <p:nvSpPr>
+          <p:cNvPr id="17" name="Rectangle 16">
+            <a:extLst>
+              <a:ext uri="{FF2B5EF4-FFF2-40B4-BE49-F238E27FC236}">
+                <a16:creationId xmlns:a16="http://schemas.microsoft.com/office/drawing/2014/main" id="{A0D9EAB3-3F43-C902-AABF-28E728355000}"/>
+              </a:ext>
+            </a:extLst>
+          </p:cNvPr>
+          <p:cNvSpPr/>
+          <p:nvPr/>
+        </p:nvSpPr>
+        <p:spPr>
+          <a:xfrm>
+            <a:off x="11541603" y="2038349"/>
+            <a:ext cx="371475" cy="161925"/>
+          </a:xfrm>
+          <a:prstGeom prst="rect">
+            <a:avLst/>
+          </a:prstGeom>
+          <a:solidFill>
+            <a:srgbClr val="FCFCFC"/>
+          </a:solidFill>
+          <a:ln>
+            <a:noFill/>
+          </a:ln>
+        </p:spPr>
+        <p:style>
+          <a:lnRef idx="2">
+            <a:schemeClr val="accent1">
+              <a:shade val="50000"/>
+            </a:schemeClr>
+          </a:lnRef>
+          <a:fillRef idx="1">
+            <a:schemeClr val="accent1"/>
+          </a:fillRef>
+          <a:effectRef idx="0">
+            <a:schemeClr val="accent1"/>
+          </a:effectRef>
+          <a:fontRef idx="minor">
+            <a:schemeClr val="lt1"/>
+          </a:fontRef>
+        </p:style>
+        <p:txBody>
+          <a:bodyPr rtlCol="0" anchor="ctr"/>
+          <a:lstStyle/>
+          <a:p>
+            <a:pPr algn="ctr"/>
+            <a:endParaRPr lang="en-PH"/>
+          </a:p>
+        </p:txBody>
+      </p:sp>
+      <p:sp>
+        <p:nvSpPr>
+          <p:cNvPr id="18" name="Rectangle 17">
+            <a:extLst>
+              <a:ext uri="{FF2B5EF4-FFF2-40B4-BE49-F238E27FC236}">
+                <a16:creationId xmlns:a16="http://schemas.microsoft.com/office/drawing/2014/main" id="{25838CA9-0CF3-8D1B-9F02-25E19BE2ACBE}"/>
+              </a:ext>
+            </a:extLst>
+          </p:cNvPr>
+          <p:cNvSpPr/>
+          <p:nvPr/>
+        </p:nvSpPr>
+        <p:spPr>
+          <a:xfrm>
+            <a:off x="10061275" y="793272"/>
+            <a:ext cx="973767" cy="147008"/>
+          </a:xfrm>
+          <a:prstGeom prst="rect">
+            <a:avLst/>
+          </a:prstGeom>
+          <a:solidFill>
+            <a:srgbClr val="FCFCFC"/>
+          </a:solidFill>
+          <a:ln>
+            <a:noFill/>
+          </a:ln>
+        </p:spPr>
+        <p:style>
+          <a:lnRef idx="2">
+            <a:schemeClr val="accent1">
+              <a:shade val="50000"/>
+            </a:schemeClr>
+          </a:lnRef>
+          <a:fillRef idx="1">
+            <a:schemeClr val="accent1"/>
+          </a:fillRef>
+          <a:effectRef idx="0">
+            <a:schemeClr val="accent1"/>
+          </a:effectRef>
+          <a:fontRef idx="minor">
+            <a:schemeClr val="lt1"/>
+          </a:fontRef>
+        </p:style>
+        <p:txBody>
+          <a:bodyPr rtlCol="0" anchor="ctr"/>
+          <a:lstStyle/>
+          <a:p>
+            <a:pPr algn="ctr"/>
             <a:endParaRPr lang="en-PH"/>
           </a:p>
         </p:txBody>
@@ -5135,7 +6345,7 @@
     </p:spTree>
     <p:extLst>
       <p:ext uri="{BB962C8B-B14F-4D97-AF65-F5344CB8AC3E}">
-        <p14:creationId xmlns:p14="http://schemas.microsoft.com/office/powerpoint/2010/main" val="2674132829"/>
+        <p14:creationId xmlns:p14="http://schemas.microsoft.com/office/powerpoint/2010/main" val="3711985907"/>
       </p:ext>
     </p:extLst>
   </p:cSld>
@@ -5164,10 +6374,10 @@
       </p:grpSpPr>
       <p:pic>
         <p:nvPicPr>
-          <p:cNvPr id="5" name="Picture 4" descr="Graphical user interface, text, application&#10;&#10;Description automatically generated">
-            <a:extLst>
-              <a:ext uri="{FF2B5EF4-FFF2-40B4-BE49-F238E27FC236}">
-                <a16:creationId xmlns:a16="http://schemas.microsoft.com/office/drawing/2014/main" id="{95D136DD-4A65-0B94-29D4-DD5800287FF6}"/>
+          <p:cNvPr id="5" name="Picture 4" descr="A screenshot of a phone&#10;&#10;Description automatically generated with medium confidence">
+            <a:extLst>
+              <a:ext uri="{FF2B5EF4-FFF2-40B4-BE49-F238E27FC236}">
+                <a16:creationId xmlns:a16="http://schemas.microsoft.com/office/drawing/2014/main" id="{2488183C-5505-7661-97E9-7AB3768144E4}"/>
               </a:ext>
             </a:extLst>
           </p:cNvPr>
@@ -5184,13 +6394,13 @@
               </a:ext>
             </a:extLst>
           </a:blip>
-          <a:srcRect t="3574"/>
+          <a:srcRect t="2390"/>
           <a:stretch/>
         </p:blipFill>
         <p:spPr>
           <a:xfrm>
-            <a:off x="0" y="245096"/>
-            <a:ext cx="3164458" cy="6612903"/>
+            <a:off x="0" y="163902"/>
+            <a:ext cx="3336324" cy="6694098"/>
           </a:xfrm>
           <a:prstGeom prst="rect">
             <a:avLst/>
@@ -5199,10 +6409,10 @@
       </p:pic>
       <p:pic>
         <p:nvPicPr>
-          <p:cNvPr id="7" name="Picture 6" descr="Graphical user interface, text&#10;&#10;Description automatically generated">
-            <a:extLst>
-              <a:ext uri="{FF2B5EF4-FFF2-40B4-BE49-F238E27FC236}">
-                <a16:creationId xmlns:a16="http://schemas.microsoft.com/office/drawing/2014/main" id="{6CC58941-39D2-F2A1-A624-3204DE17C38F}"/>
+          <p:cNvPr id="7" name="Picture 6" descr="A screenshot of a computer&#10;&#10;Description automatically generated with low confidence">
+            <a:extLst>
+              <a:ext uri="{FF2B5EF4-FFF2-40B4-BE49-F238E27FC236}">
+                <a16:creationId xmlns:a16="http://schemas.microsoft.com/office/drawing/2014/main" id="{6052D386-366A-DF17-9BB9-95770F2D3640}"/>
               </a:ext>
             </a:extLst>
           </p:cNvPr>
@@ -5219,13 +6429,13 @@
               </a:ext>
             </a:extLst>
           </a:blip>
-          <a:srcRect t="3574"/>
+          <a:srcRect t="2390"/>
           <a:stretch/>
         </p:blipFill>
         <p:spPr>
           <a:xfrm>
-            <a:off x="4513771" y="245096"/>
-            <a:ext cx="3164458" cy="6612904"/>
+            <a:off x="4427838" y="163900"/>
+            <a:ext cx="3336324" cy="6694099"/>
           </a:xfrm>
           <a:prstGeom prst="rect">
             <a:avLst/>
@@ -5234,10 +6444,10 @@
       </p:pic>
       <p:pic>
         <p:nvPicPr>
-          <p:cNvPr id="9" name="Picture 8" descr="Text&#10;&#10;Description automatically generated with medium confidence">
-            <a:extLst>
-              <a:ext uri="{FF2B5EF4-FFF2-40B4-BE49-F238E27FC236}">
-                <a16:creationId xmlns:a16="http://schemas.microsoft.com/office/drawing/2014/main" id="{A4A6B6D1-401C-3423-EA1A-5D76F2466C30}"/>
+          <p:cNvPr id="9" name="Picture 8" descr="A screenshot of a phone&#10;&#10;Description automatically generated with medium confidence">
+            <a:extLst>
+              <a:ext uri="{FF2B5EF4-FFF2-40B4-BE49-F238E27FC236}">
+                <a16:creationId xmlns:a16="http://schemas.microsoft.com/office/drawing/2014/main" id="{91A0B172-82B4-05AB-F6FC-620FF5477362}"/>
               </a:ext>
             </a:extLst>
           </p:cNvPr>
@@ -5254,13 +6464,13 @@
               </a:ext>
             </a:extLst>
           </a:blip>
-          <a:srcRect t="3574"/>
+          <a:srcRect t="2390"/>
           <a:stretch/>
         </p:blipFill>
         <p:spPr>
           <a:xfrm>
-            <a:off x="9027542" y="245094"/>
-            <a:ext cx="3164458" cy="6612905"/>
+            <a:off x="8855676" y="163900"/>
+            <a:ext cx="3336324" cy="6694100"/>
           </a:xfrm>
           <a:prstGeom prst="rect">
             <a:avLst/>
@@ -5272,7 +6482,7 @@
           <p:cNvPr id="10" name="Rectangle 9">
             <a:extLst>
               <a:ext uri="{FF2B5EF4-FFF2-40B4-BE49-F238E27FC236}">
-                <a16:creationId xmlns:a16="http://schemas.microsoft.com/office/drawing/2014/main" id="{FAE18031-E23B-7EF3-2734-5856036C4048}"/>
+                <a16:creationId xmlns:a16="http://schemas.microsoft.com/office/drawing/2014/main" id="{3246492F-5DA1-67C2-8D93-CE877A6E6B5C}"/>
               </a:ext>
             </a:extLst>
           </p:cNvPr>
@@ -5281,14 +6491,14 @@
         </p:nvSpPr>
         <p:spPr>
           <a:xfrm>
-            <a:off x="1225485" y="904973"/>
-            <a:ext cx="697583" cy="169683"/>
+            <a:off x="1466491" y="4166558"/>
+            <a:ext cx="405441" cy="112144"/>
           </a:xfrm>
           <a:prstGeom prst="rect">
             <a:avLst/>
           </a:prstGeom>
           <a:solidFill>
-            <a:srgbClr val="000000"/>
+            <a:srgbClr val="5E728B"/>
           </a:solidFill>
           <a:ln>
             <a:noFill/>
@@ -5296,15 +6506,15 @@
         </p:spPr>
         <p:style>
           <a:lnRef idx="2">
-            <a:schemeClr val="dk1">
+            <a:schemeClr val="accent1">
               <a:shade val="50000"/>
             </a:schemeClr>
           </a:lnRef>
           <a:fillRef idx="1">
-            <a:schemeClr val="dk1"/>
+            <a:schemeClr val="accent1"/>
           </a:fillRef>
           <a:effectRef idx="0">
-            <a:schemeClr val="dk1"/>
+            <a:schemeClr val="accent1"/>
           </a:effectRef>
           <a:fontRef idx="minor">
             <a:schemeClr val="lt1"/>
@@ -5324,7 +6534,7 @@
           <p:cNvPr id="11" name="Rectangle 10">
             <a:extLst>
               <a:ext uri="{FF2B5EF4-FFF2-40B4-BE49-F238E27FC236}">
-                <a16:creationId xmlns:a16="http://schemas.microsoft.com/office/drawing/2014/main" id="{7A69C2F6-841B-F75F-5F8A-C0B2F80D1616}"/>
+                <a16:creationId xmlns:a16="http://schemas.microsoft.com/office/drawing/2014/main" id="{7E0EFD49-5994-FA1A-4A66-B29F8F271E12}"/>
               </a:ext>
             </a:extLst>
           </p:cNvPr>
@@ -5333,14 +6543,14 @@
         </p:nvSpPr>
         <p:spPr>
           <a:xfrm>
-            <a:off x="5629374" y="923827"/>
-            <a:ext cx="856267" cy="150829"/>
+            <a:off x="5893279" y="4167996"/>
+            <a:ext cx="405441" cy="112144"/>
           </a:xfrm>
           <a:prstGeom prst="rect">
             <a:avLst/>
           </a:prstGeom>
           <a:solidFill>
-            <a:srgbClr val="000000"/>
+            <a:srgbClr val="577597"/>
           </a:solidFill>
           <a:ln>
             <a:noFill/>
@@ -5348,15 +6558,15 @@
         </p:spPr>
         <p:style>
           <a:lnRef idx="2">
-            <a:schemeClr val="dk1">
+            <a:schemeClr val="accent1">
               <a:shade val="50000"/>
             </a:schemeClr>
           </a:lnRef>
           <a:fillRef idx="1">
-            <a:schemeClr val="dk1"/>
+            <a:schemeClr val="accent1"/>
           </a:fillRef>
           <a:effectRef idx="0">
-            <a:schemeClr val="dk1"/>
+            <a:schemeClr val="accent1"/>
           </a:effectRef>
           <a:fontRef idx="minor">
             <a:schemeClr val="lt1"/>
@@ -5376,7 +6586,7 @@
           <p:cNvPr id="12" name="Rectangle 11">
             <a:extLst>
               <a:ext uri="{FF2B5EF4-FFF2-40B4-BE49-F238E27FC236}">
-                <a16:creationId xmlns:a16="http://schemas.microsoft.com/office/drawing/2014/main" id="{D1928AAA-9ED0-90DB-C062-070AE6464779}"/>
+                <a16:creationId xmlns:a16="http://schemas.microsoft.com/office/drawing/2014/main" id="{91E5A247-3729-7864-C648-5CA60D3A48D8}"/>
               </a:ext>
             </a:extLst>
           </p:cNvPr>
@@ -5385,14 +6595,14 @@
         </p:nvSpPr>
         <p:spPr>
           <a:xfrm>
-            <a:off x="5629373" y="2820186"/>
-            <a:ext cx="856267" cy="150829"/>
+            <a:off x="10321117" y="4166558"/>
+            <a:ext cx="405441" cy="112144"/>
           </a:xfrm>
           <a:prstGeom prst="rect">
             <a:avLst/>
           </a:prstGeom>
           <a:solidFill>
-            <a:srgbClr val="000000"/>
+            <a:srgbClr val="577597"/>
           </a:solidFill>
           <a:ln>
             <a:noFill/>
@@ -5400,15 +6610,15 @@
         </p:spPr>
         <p:style>
           <a:lnRef idx="2">
-            <a:schemeClr val="dk1">
+            <a:schemeClr val="accent1">
               <a:shade val="50000"/>
             </a:schemeClr>
           </a:lnRef>
           <a:fillRef idx="1">
-            <a:schemeClr val="dk1"/>
+            <a:schemeClr val="accent1"/>
           </a:fillRef>
           <a:effectRef idx="0">
-            <a:schemeClr val="dk1"/>
+            <a:schemeClr val="accent1"/>
           </a:effectRef>
           <a:fontRef idx="minor">
             <a:schemeClr val="lt1"/>
@@ -5423,143 +6633,10 @@
           </a:p>
         </p:txBody>
       </p:sp>
-      <p:sp>
-        <p:nvSpPr>
-          <p:cNvPr id="13" name="Rectangle 12">
-            <a:extLst>
-              <a:ext uri="{FF2B5EF4-FFF2-40B4-BE49-F238E27FC236}">
-                <a16:creationId xmlns:a16="http://schemas.microsoft.com/office/drawing/2014/main" id="{5B658879-711D-7B29-727B-D54BCBF5E3AE}"/>
-              </a:ext>
-            </a:extLst>
-          </p:cNvPr>
-          <p:cNvSpPr/>
-          <p:nvPr/>
-        </p:nvSpPr>
-        <p:spPr>
-          <a:xfrm>
-            <a:off x="10181637" y="1549139"/>
-            <a:ext cx="856267" cy="150829"/>
-          </a:xfrm>
-          <a:prstGeom prst="rect">
-            <a:avLst/>
-          </a:prstGeom>
-          <a:solidFill>
-            <a:srgbClr val="000000"/>
-          </a:solidFill>
-          <a:ln>
-            <a:noFill/>
-          </a:ln>
-        </p:spPr>
-        <p:style>
-          <a:lnRef idx="2">
-            <a:schemeClr val="dk1">
-              <a:shade val="50000"/>
-            </a:schemeClr>
-          </a:lnRef>
-          <a:fillRef idx="1">
-            <a:schemeClr val="dk1"/>
-          </a:fillRef>
-          <a:effectRef idx="0">
-            <a:schemeClr val="dk1"/>
-          </a:effectRef>
-          <a:fontRef idx="minor">
-            <a:schemeClr val="lt1"/>
-          </a:fontRef>
-        </p:style>
-        <p:txBody>
-          <a:bodyPr rtlCol="0" anchor="ctr"/>
-          <a:lstStyle/>
-          <a:p>
-            <a:pPr algn="ctr"/>
-            <a:endParaRPr lang="en-PH"/>
-          </a:p>
-        </p:txBody>
-      </p:sp>
-      <p:pic>
-        <p:nvPicPr>
-          <p:cNvPr id="15" name="Picture 14">
-            <a:extLst>
-              <a:ext uri="{FF2B5EF4-FFF2-40B4-BE49-F238E27FC236}">
-                <a16:creationId xmlns:a16="http://schemas.microsoft.com/office/drawing/2014/main" id="{E91684B5-55BD-5BA0-C77D-9A15F2879EE6}"/>
-              </a:ext>
-            </a:extLst>
-          </p:cNvPr>
-          <p:cNvPicPr>
-            <a:picLocks noChangeAspect="1"/>
-          </p:cNvPicPr>
-          <p:nvPr/>
-        </p:nvPicPr>
-        <p:blipFill rotWithShape="1">
-          <a:blip r:embed="rId5"/>
-          <a:srcRect t="5957"/>
-          <a:stretch/>
-        </p:blipFill>
-        <p:spPr>
-          <a:xfrm>
-            <a:off x="4662532" y="2713347"/>
-            <a:ext cx="2703233" cy="2033756"/>
-          </a:xfrm>
-          <a:prstGeom prst="rect">
-            <a:avLst/>
-          </a:prstGeom>
-        </p:spPr>
-      </p:pic>
-      <p:sp>
-        <p:nvSpPr>
-          <p:cNvPr id="16" name="Rectangle 15">
-            <a:extLst>
-              <a:ext uri="{FF2B5EF4-FFF2-40B4-BE49-F238E27FC236}">
-                <a16:creationId xmlns:a16="http://schemas.microsoft.com/office/drawing/2014/main" id="{478F365D-B035-4871-2497-A5BA3A00321B}"/>
-              </a:ext>
-            </a:extLst>
-          </p:cNvPr>
-          <p:cNvSpPr/>
-          <p:nvPr/>
-        </p:nvSpPr>
-        <p:spPr>
-          <a:xfrm>
-            <a:off x="4662531" y="4747103"/>
-            <a:ext cx="2703233" cy="324518"/>
-          </a:xfrm>
-          <a:prstGeom prst="rect">
-            <a:avLst/>
-          </a:prstGeom>
-          <a:solidFill>
-            <a:srgbClr val="000000"/>
-          </a:solidFill>
-          <a:ln>
-            <a:noFill/>
-          </a:ln>
-        </p:spPr>
-        <p:style>
-          <a:lnRef idx="2">
-            <a:schemeClr val="dk1">
-              <a:shade val="50000"/>
-            </a:schemeClr>
-          </a:lnRef>
-          <a:fillRef idx="1">
-            <a:schemeClr val="dk1"/>
-          </a:fillRef>
-          <a:effectRef idx="0">
-            <a:schemeClr val="dk1"/>
-          </a:effectRef>
-          <a:fontRef idx="minor">
-            <a:schemeClr val="lt1"/>
-          </a:fontRef>
-        </p:style>
-        <p:txBody>
-          <a:bodyPr rtlCol="0" anchor="ctr"/>
-          <a:lstStyle/>
-          <a:p>
-            <a:pPr algn="ctr"/>
-            <a:endParaRPr lang="en-PH"/>
-          </a:p>
-        </p:txBody>
-      </p:sp>
     </p:spTree>
     <p:extLst>
       <p:ext uri="{BB962C8B-B14F-4D97-AF65-F5344CB8AC3E}">
-        <p14:creationId xmlns:p14="http://schemas.microsoft.com/office/powerpoint/2010/main" val="2084462464"/>
+        <p14:creationId xmlns:p14="http://schemas.microsoft.com/office/powerpoint/2010/main" val="854143356"/>
       </p:ext>
     </p:extLst>
   </p:cSld>
@@ -5588,10 +6665,10 @@
       </p:grpSpPr>
       <p:pic>
         <p:nvPicPr>
-          <p:cNvPr id="5" name="Picture 4" descr="Graphical user interface, text, application&#10;&#10;Description automatically generated">
-            <a:extLst>
-              <a:ext uri="{FF2B5EF4-FFF2-40B4-BE49-F238E27FC236}">
-                <a16:creationId xmlns:a16="http://schemas.microsoft.com/office/drawing/2014/main" id="{1C61A27F-ACBA-E54D-5CB7-200851814325}"/>
+          <p:cNvPr id="5" name="Picture 4">
+            <a:extLst>
+              <a:ext uri="{FF2B5EF4-FFF2-40B4-BE49-F238E27FC236}">
+                <a16:creationId xmlns:a16="http://schemas.microsoft.com/office/drawing/2014/main" id="{DA720589-B6EF-ED6D-CA20-AF8FF182E173}"/>
               </a:ext>
             </a:extLst>
           </p:cNvPr>
@@ -5600,137 +6677,47 @@
           </p:cNvPicPr>
           <p:nvPr/>
         </p:nvPicPr>
-        <p:blipFill rotWithShape="1">
-          <a:blip r:embed="rId2">
-            <a:extLst>
-              <a:ext uri="{28A0092B-C50C-407E-A947-70E740481C1C}">
-                <a14:useLocalDpi xmlns:a14="http://schemas.microsoft.com/office/drawing/2010/main" val="0"/>
-              </a:ext>
-            </a:extLst>
-          </a:blip>
-          <a:srcRect t="3522"/>
-          <a:stretch/>
+        <p:blipFill>
+          <a:blip r:embed="rId2"/>
+          <a:stretch>
+            <a:fillRect/>
+          </a:stretch>
         </p:blipFill>
         <p:spPr>
           <a:xfrm>
-            <a:off x="0" y="241540"/>
-            <a:ext cx="3336324" cy="6616460"/>
+            <a:off x="519558" y="87707"/>
+            <a:ext cx="5890770" cy="6492803"/>
           </a:xfrm>
           <a:prstGeom prst="rect">
             <a:avLst/>
           </a:prstGeom>
-          <a:ln>
-            <a:solidFill>
-              <a:schemeClr val="tx1"/>
-            </a:solidFill>
-          </a:ln>
         </p:spPr>
       </p:pic>
-      <p:pic>
-        <p:nvPicPr>
-          <p:cNvPr id="7" name="Picture 6" descr="Graphical user interface, text, application, chat or text message&#10;&#10;Description automatically generated">
-            <a:extLst>
-              <a:ext uri="{FF2B5EF4-FFF2-40B4-BE49-F238E27FC236}">
-                <a16:creationId xmlns:a16="http://schemas.microsoft.com/office/drawing/2014/main" id="{0A616F87-0626-FEDF-AC1A-26EDDBB4930A}"/>
-              </a:ext>
-            </a:extLst>
-          </p:cNvPr>
-          <p:cNvPicPr>
-            <a:picLocks noChangeAspect="1"/>
-          </p:cNvPicPr>
+      <p:sp>
+        <p:nvSpPr>
+          <p:cNvPr id="9" name="Rectangle 8">
+            <a:extLst>
+              <a:ext uri="{FF2B5EF4-FFF2-40B4-BE49-F238E27FC236}">
+                <a16:creationId xmlns:a16="http://schemas.microsoft.com/office/drawing/2014/main" id="{3DC5BD85-C556-33F7-ADB3-6F745531A48A}"/>
+              </a:ext>
+            </a:extLst>
+          </p:cNvPr>
+          <p:cNvSpPr/>
           <p:nvPr/>
-        </p:nvPicPr>
-        <p:blipFill rotWithShape="1">
-          <a:blip r:embed="rId3">
-            <a:extLst>
-              <a:ext uri="{28A0092B-C50C-407E-A947-70E740481C1C}">
-                <a14:useLocalDpi xmlns:a14="http://schemas.microsoft.com/office/drawing/2010/main" val="0"/>
-              </a:ext>
-            </a:extLst>
-          </a:blip>
-          <a:srcRect t="3522"/>
-          <a:stretch/>
-        </p:blipFill>
-        <p:spPr>
-          <a:xfrm>
-            <a:off x="4427838" y="241540"/>
-            <a:ext cx="3336324" cy="6616460"/>
+        </p:nvSpPr>
+        <p:spPr>
+          <a:xfrm>
+            <a:off x="5273435" y="3848100"/>
+            <a:ext cx="1051165" cy="819150"/>
           </a:xfrm>
           <a:prstGeom prst="rect">
             <a:avLst/>
           </a:prstGeom>
-          <a:ln>
+          <a:noFill/>
+          <a:ln w="38100">
             <a:solidFill>
-              <a:schemeClr val="tx1"/>
+              <a:srgbClr val="FF0000"/>
             </a:solidFill>
-          </a:ln>
-        </p:spPr>
-      </p:pic>
-      <p:pic>
-        <p:nvPicPr>
-          <p:cNvPr id="9" name="Picture 8" descr="Graphical user interface, text, application, chat or text message&#10;&#10;Description automatically generated">
-            <a:extLst>
-              <a:ext uri="{FF2B5EF4-FFF2-40B4-BE49-F238E27FC236}">
-                <a16:creationId xmlns:a16="http://schemas.microsoft.com/office/drawing/2014/main" id="{E7BCED0B-70A4-5D23-8E5F-680C54FB5096}"/>
-              </a:ext>
-            </a:extLst>
-          </p:cNvPr>
-          <p:cNvPicPr>
-            <a:picLocks noChangeAspect="1"/>
-          </p:cNvPicPr>
-          <p:nvPr/>
-        </p:nvPicPr>
-        <p:blipFill rotWithShape="1">
-          <a:blip r:embed="rId4">
-            <a:extLst>
-              <a:ext uri="{28A0092B-C50C-407E-A947-70E740481C1C}">
-                <a14:useLocalDpi xmlns:a14="http://schemas.microsoft.com/office/drawing/2010/main" val="0"/>
-              </a:ext>
-            </a:extLst>
-          </a:blip>
-          <a:srcRect t="3522"/>
-          <a:stretch/>
-        </p:blipFill>
-        <p:spPr>
-          <a:xfrm>
-            <a:off x="8855676" y="241538"/>
-            <a:ext cx="3336324" cy="6616461"/>
-          </a:xfrm>
-          <a:prstGeom prst="rect">
-            <a:avLst/>
-          </a:prstGeom>
-          <a:ln>
-            <a:solidFill>
-              <a:schemeClr val="tx1"/>
-            </a:solidFill>
-          </a:ln>
-        </p:spPr>
-      </p:pic>
-      <p:sp>
-        <p:nvSpPr>
-          <p:cNvPr id="10" name="Rectangle 9">
-            <a:extLst>
-              <a:ext uri="{FF2B5EF4-FFF2-40B4-BE49-F238E27FC236}">
-                <a16:creationId xmlns:a16="http://schemas.microsoft.com/office/drawing/2014/main" id="{85B31361-5266-5E4F-3569-D28B09EAB8BE}"/>
-              </a:ext>
-            </a:extLst>
-          </p:cNvPr>
-          <p:cNvSpPr/>
-          <p:nvPr/>
-        </p:nvSpPr>
-        <p:spPr>
-          <a:xfrm>
-            <a:off x="2676525" y="2038350"/>
-            <a:ext cx="371475" cy="161925"/>
-          </a:xfrm>
-          <a:prstGeom prst="rect">
-            <a:avLst/>
-          </a:prstGeom>
-          <a:solidFill>
-            <a:srgbClr val="FCFCFC"/>
-          </a:solidFill>
-          <a:ln>
-            <a:noFill/>
           </a:ln>
         </p:spPr>
         <p:style>
@@ -5758,426 +6745,10 @@
           </a:p>
         </p:txBody>
       </p:sp>
-      <p:sp>
-        <p:nvSpPr>
-          <p:cNvPr id="11" name="Rectangle 10">
-            <a:extLst>
-              <a:ext uri="{FF2B5EF4-FFF2-40B4-BE49-F238E27FC236}">
-                <a16:creationId xmlns:a16="http://schemas.microsoft.com/office/drawing/2014/main" id="{A46ED479-F0A7-B904-4E59-CA077F590DBB}"/>
-              </a:ext>
-            </a:extLst>
-          </p:cNvPr>
-          <p:cNvSpPr/>
-          <p:nvPr/>
-        </p:nvSpPr>
-        <p:spPr>
-          <a:xfrm>
-            <a:off x="1156958" y="793272"/>
-            <a:ext cx="973767" cy="147008"/>
-          </a:xfrm>
-          <a:prstGeom prst="rect">
-            <a:avLst/>
-          </a:prstGeom>
-          <a:solidFill>
-            <a:srgbClr val="FCFCFC"/>
-          </a:solidFill>
-          <a:ln>
-            <a:noFill/>
-          </a:ln>
-        </p:spPr>
-        <p:style>
-          <a:lnRef idx="2">
-            <a:schemeClr val="accent1">
-              <a:shade val="50000"/>
-            </a:schemeClr>
-          </a:lnRef>
-          <a:fillRef idx="1">
-            <a:schemeClr val="accent1"/>
-          </a:fillRef>
-          <a:effectRef idx="0">
-            <a:schemeClr val="accent1"/>
-          </a:effectRef>
-          <a:fontRef idx="minor">
-            <a:schemeClr val="lt1"/>
-          </a:fontRef>
-        </p:style>
-        <p:txBody>
-          <a:bodyPr rtlCol="0" anchor="ctr"/>
-          <a:lstStyle/>
-          <a:p>
-            <a:pPr algn="ctr"/>
-            <a:endParaRPr lang="en-PH"/>
-          </a:p>
-        </p:txBody>
-      </p:sp>
-      <p:sp>
-        <p:nvSpPr>
-          <p:cNvPr id="12" name="Rectangle 11">
-            <a:extLst>
-              <a:ext uri="{FF2B5EF4-FFF2-40B4-BE49-F238E27FC236}">
-                <a16:creationId xmlns:a16="http://schemas.microsoft.com/office/drawing/2014/main" id="{03078083-6E3F-84AF-E946-C256B2C8173A}"/>
-              </a:ext>
-            </a:extLst>
-          </p:cNvPr>
-          <p:cNvSpPr/>
-          <p:nvPr/>
-        </p:nvSpPr>
-        <p:spPr>
-          <a:xfrm>
-            <a:off x="5609116" y="793272"/>
-            <a:ext cx="973767" cy="147008"/>
-          </a:xfrm>
-          <a:prstGeom prst="rect">
-            <a:avLst/>
-          </a:prstGeom>
-          <a:solidFill>
-            <a:srgbClr val="FCFCFC"/>
-          </a:solidFill>
-          <a:ln>
-            <a:noFill/>
-          </a:ln>
-        </p:spPr>
-        <p:style>
-          <a:lnRef idx="2">
-            <a:schemeClr val="accent1">
-              <a:shade val="50000"/>
-            </a:schemeClr>
-          </a:lnRef>
-          <a:fillRef idx="1">
-            <a:schemeClr val="accent1"/>
-          </a:fillRef>
-          <a:effectRef idx="0">
-            <a:schemeClr val="accent1"/>
-          </a:effectRef>
-          <a:fontRef idx="minor">
-            <a:schemeClr val="lt1"/>
-          </a:fontRef>
-        </p:style>
-        <p:txBody>
-          <a:bodyPr rtlCol="0" anchor="ctr"/>
-          <a:lstStyle/>
-          <a:p>
-            <a:pPr algn="ctr"/>
-            <a:endParaRPr lang="en-PH"/>
-          </a:p>
-        </p:txBody>
-      </p:sp>
-      <p:sp>
-        <p:nvSpPr>
-          <p:cNvPr id="13" name="Rectangle 12">
-            <a:extLst>
-              <a:ext uri="{FF2B5EF4-FFF2-40B4-BE49-F238E27FC236}">
-                <a16:creationId xmlns:a16="http://schemas.microsoft.com/office/drawing/2014/main" id="{0A063987-91E0-5DF5-2F50-D2513B49E69D}"/>
-              </a:ext>
-            </a:extLst>
-          </p:cNvPr>
-          <p:cNvSpPr/>
-          <p:nvPr/>
-        </p:nvSpPr>
-        <p:spPr>
-          <a:xfrm>
-            <a:off x="7116253" y="2038349"/>
-            <a:ext cx="371475" cy="161925"/>
-          </a:xfrm>
-          <a:prstGeom prst="rect">
-            <a:avLst/>
-          </a:prstGeom>
-          <a:solidFill>
-            <a:srgbClr val="FCFCFC"/>
-          </a:solidFill>
-          <a:ln>
-            <a:noFill/>
-          </a:ln>
-        </p:spPr>
-        <p:style>
-          <a:lnRef idx="2">
-            <a:schemeClr val="accent1">
-              <a:shade val="50000"/>
-            </a:schemeClr>
-          </a:lnRef>
-          <a:fillRef idx="1">
-            <a:schemeClr val="accent1"/>
-          </a:fillRef>
-          <a:effectRef idx="0">
-            <a:schemeClr val="accent1"/>
-          </a:effectRef>
-          <a:fontRef idx="minor">
-            <a:schemeClr val="lt1"/>
-          </a:fontRef>
-        </p:style>
-        <p:txBody>
-          <a:bodyPr rtlCol="0" anchor="ctr"/>
-          <a:lstStyle/>
-          <a:p>
-            <a:pPr algn="ctr"/>
-            <a:endParaRPr lang="en-PH"/>
-          </a:p>
-        </p:txBody>
-      </p:sp>
-      <p:sp>
-        <p:nvSpPr>
-          <p:cNvPr id="14" name="Rectangle 13">
-            <a:extLst>
-              <a:ext uri="{FF2B5EF4-FFF2-40B4-BE49-F238E27FC236}">
-                <a16:creationId xmlns:a16="http://schemas.microsoft.com/office/drawing/2014/main" id="{B1CF7AD5-B93B-E6D8-1446-A02D23DEA4C7}"/>
-              </a:ext>
-            </a:extLst>
-          </p:cNvPr>
-          <p:cNvSpPr/>
-          <p:nvPr/>
-        </p:nvSpPr>
-        <p:spPr>
-          <a:xfrm>
-            <a:off x="7116253" y="3549768"/>
-            <a:ext cx="371475" cy="161925"/>
-          </a:xfrm>
-          <a:prstGeom prst="rect">
-            <a:avLst/>
-          </a:prstGeom>
-          <a:solidFill>
-            <a:srgbClr val="FCFCFC"/>
-          </a:solidFill>
-          <a:ln>
-            <a:noFill/>
-          </a:ln>
-        </p:spPr>
-        <p:style>
-          <a:lnRef idx="2">
-            <a:schemeClr val="accent1">
-              <a:shade val="50000"/>
-            </a:schemeClr>
-          </a:lnRef>
-          <a:fillRef idx="1">
-            <a:schemeClr val="accent1"/>
-          </a:fillRef>
-          <a:effectRef idx="0">
-            <a:schemeClr val="accent1"/>
-          </a:effectRef>
-          <a:fontRef idx="minor">
-            <a:schemeClr val="lt1"/>
-          </a:fontRef>
-        </p:style>
-        <p:txBody>
-          <a:bodyPr rtlCol="0" anchor="ctr"/>
-          <a:lstStyle/>
-          <a:p>
-            <a:pPr algn="ctr"/>
-            <a:endParaRPr lang="en-PH"/>
-          </a:p>
-        </p:txBody>
-      </p:sp>
-      <p:sp>
-        <p:nvSpPr>
-          <p:cNvPr id="15" name="Rectangle 14">
-            <a:extLst>
-              <a:ext uri="{FF2B5EF4-FFF2-40B4-BE49-F238E27FC236}">
-                <a16:creationId xmlns:a16="http://schemas.microsoft.com/office/drawing/2014/main" id="{6106CA42-036B-32B2-5D0F-5DFD342A76B2}"/>
-              </a:ext>
-            </a:extLst>
-          </p:cNvPr>
-          <p:cNvSpPr/>
-          <p:nvPr/>
-        </p:nvSpPr>
-        <p:spPr>
-          <a:xfrm>
-            <a:off x="11541604" y="5313512"/>
-            <a:ext cx="371475" cy="161925"/>
-          </a:xfrm>
-          <a:prstGeom prst="rect">
-            <a:avLst/>
-          </a:prstGeom>
-          <a:solidFill>
-            <a:srgbClr val="FCFCFC"/>
-          </a:solidFill>
-          <a:ln>
-            <a:noFill/>
-          </a:ln>
-        </p:spPr>
-        <p:style>
-          <a:lnRef idx="2">
-            <a:schemeClr val="accent1">
-              <a:shade val="50000"/>
-            </a:schemeClr>
-          </a:lnRef>
-          <a:fillRef idx="1">
-            <a:schemeClr val="accent1"/>
-          </a:fillRef>
-          <a:effectRef idx="0">
-            <a:schemeClr val="accent1"/>
-          </a:effectRef>
-          <a:fontRef idx="minor">
-            <a:schemeClr val="lt1"/>
-          </a:fontRef>
-        </p:style>
-        <p:txBody>
-          <a:bodyPr rtlCol="0" anchor="ctr"/>
-          <a:lstStyle/>
-          <a:p>
-            <a:pPr algn="ctr"/>
-            <a:endParaRPr lang="en-PH"/>
-          </a:p>
-        </p:txBody>
-      </p:sp>
-      <p:sp>
-        <p:nvSpPr>
-          <p:cNvPr id="16" name="Rectangle 15">
-            <a:extLst>
-              <a:ext uri="{FF2B5EF4-FFF2-40B4-BE49-F238E27FC236}">
-                <a16:creationId xmlns:a16="http://schemas.microsoft.com/office/drawing/2014/main" id="{4F59C257-49DA-EBBA-0AAA-D7A7CD2F004C}"/>
-              </a:ext>
-            </a:extLst>
-          </p:cNvPr>
-          <p:cNvSpPr/>
-          <p:nvPr/>
-        </p:nvSpPr>
-        <p:spPr>
-          <a:xfrm>
-            <a:off x="11541603" y="3630730"/>
-            <a:ext cx="371475" cy="161925"/>
-          </a:xfrm>
-          <a:prstGeom prst="rect">
-            <a:avLst/>
-          </a:prstGeom>
-          <a:solidFill>
-            <a:srgbClr val="FCFCFC"/>
-          </a:solidFill>
-          <a:ln>
-            <a:noFill/>
-          </a:ln>
-        </p:spPr>
-        <p:style>
-          <a:lnRef idx="2">
-            <a:schemeClr val="accent1">
-              <a:shade val="50000"/>
-            </a:schemeClr>
-          </a:lnRef>
-          <a:fillRef idx="1">
-            <a:schemeClr val="accent1"/>
-          </a:fillRef>
-          <a:effectRef idx="0">
-            <a:schemeClr val="accent1"/>
-          </a:effectRef>
-          <a:fontRef idx="minor">
-            <a:schemeClr val="lt1"/>
-          </a:fontRef>
-        </p:style>
-        <p:txBody>
-          <a:bodyPr rtlCol="0" anchor="ctr"/>
-          <a:lstStyle/>
-          <a:p>
-            <a:pPr algn="ctr"/>
-            <a:endParaRPr lang="en-PH"/>
-          </a:p>
-        </p:txBody>
-      </p:sp>
-      <p:sp>
-        <p:nvSpPr>
-          <p:cNvPr id="17" name="Rectangle 16">
-            <a:extLst>
-              <a:ext uri="{FF2B5EF4-FFF2-40B4-BE49-F238E27FC236}">
-                <a16:creationId xmlns:a16="http://schemas.microsoft.com/office/drawing/2014/main" id="{A0D9EAB3-3F43-C902-AABF-28E728355000}"/>
-              </a:ext>
-            </a:extLst>
-          </p:cNvPr>
-          <p:cNvSpPr/>
-          <p:nvPr/>
-        </p:nvSpPr>
-        <p:spPr>
-          <a:xfrm>
-            <a:off x="11541603" y="2038349"/>
-            <a:ext cx="371475" cy="161925"/>
-          </a:xfrm>
-          <a:prstGeom prst="rect">
-            <a:avLst/>
-          </a:prstGeom>
-          <a:solidFill>
-            <a:srgbClr val="FCFCFC"/>
-          </a:solidFill>
-          <a:ln>
-            <a:noFill/>
-          </a:ln>
-        </p:spPr>
-        <p:style>
-          <a:lnRef idx="2">
-            <a:schemeClr val="accent1">
-              <a:shade val="50000"/>
-            </a:schemeClr>
-          </a:lnRef>
-          <a:fillRef idx="1">
-            <a:schemeClr val="accent1"/>
-          </a:fillRef>
-          <a:effectRef idx="0">
-            <a:schemeClr val="accent1"/>
-          </a:effectRef>
-          <a:fontRef idx="minor">
-            <a:schemeClr val="lt1"/>
-          </a:fontRef>
-        </p:style>
-        <p:txBody>
-          <a:bodyPr rtlCol="0" anchor="ctr"/>
-          <a:lstStyle/>
-          <a:p>
-            <a:pPr algn="ctr"/>
-            <a:endParaRPr lang="en-PH"/>
-          </a:p>
-        </p:txBody>
-      </p:sp>
-      <p:sp>
-        <p:nvSpPr>
-          <p:cNvPr id="18" name="Rectangle 17">
-            <a:extLst>
-              <a:ext uri="{FF2B5EF4-FFF2-40B4-BE49-F238E27FC236}">
-                <a16:creationId xmlns:a16="http://schemas.microsoft.com/office/drawing/2014/main" id="{25838CA9-0CF3-8D1B-9F02-25E19BE2ACBE}"/>
-              </a:ext>
-            </a:extLst>
-          </p:cNvPr>
-          <p:cNvSpPr/>
-          <p:nvPr/>
-        </p:nvSpPr>
-        <p:spPr>
-          <a:xfrm>
-            <a:off x="10061275" y="793272"/>
-            <a:ext cx="973767" cy="147008"/>
-          </a:xfrm>
-          <a:prstGeom prst="rect">
-            <a:avLst/>
-          </a:prstGeom>
-          <a:solidFill>
-            <a:srgbClr val="FCFCFC"/>
-          </a:solidFill>
-          <a:ln>
-            <a:noFill/>
-          </a:ln>
-        </p:spPr>
-        <p:style>
-          <a:lnRef idx="2">
-            <a:schemeClr val="accent1">
-              <a:shade val="50000"/>
-            </a:schemeClr>
-          </a:lnRef>
-          <a:fillRef idx="1">
-            <a:schemeClr val="accent1"/>
-          </a:fillRef>
-          <a:effectRef idx="0">
-            <a:schemeClr val="accent1"/>
-          </a:effectRef>
-          <a:fontRef idx="minor">
-            <a:schemeClr val="lt1"/>
-          </a:fontRef>
-        </p:style>
-        <p:txBody>
-          <a:bodyPr rtlCol="0" anchor="ctr"/>
-          <a:lstStyle/>
-          <a:p>
-            <a:pPr algn="ctr"/>
-            <a:endParaRPr lang="en-PH"/>
-          </a:p>
-        </p:txBody>
-      </p:sp>
     </p:spTree>
     <p:extLst>
       <p:ext uri="{BB962C8B-B14F-4D97-AF65-F5344CB8AC3E}">
-        <p14:creationId xmlns:p14="http://schemas.microsoft.com/office/powerpoint/2010/main" val="3711985907"/>
+        <p14:creationId xmlns:p14="http://schemas.microsoft.com/office/powerpoint/2010/main" val="812124733"/>
       </p:ext>
     </p:extLst>
   </p:cSld>
